--- a/lectures/6/2_Questionnaire Analysis.pptx
+++ b/lectures/6/2_Questionnaire Analysis.pptx
@@ -5,10 +5,10 @@
     <p:sldMasterId id="2147483648" r:id="rId4"/>
   </p:sldMasterIdLst>
   <p:notesMasterIdLst>
-    <p:notesMasterId r:id="rId54"/>
+    <p:notesMasterId r:id="rId51"/>
   </p:notesMasterIdLst>
   <p:handoutMasterIdLst>
-    <p:handoutMasterId r:id="rId55"/>
+    <p:handoutMasterId r:id="rId52"/>
   </p:handoutMasterIdLst>
   <p:sldIdLst>
     <p:sldId id="266" r:id="rId5"/>
@@ -52,14 +52,11 @@
     <p:sldId id="299" r:id="rId43"/>
     <p:sldId id="300" r:id="rId44"/>
     <p:sldId id="301" r:id="rId45"/>
-    <p:sldId id="302" r:id="rId46"/>
-    <p:sldId id="303" r:id="rId47"/>
-    <p:sldId id="304" r:id="rId48"/>
-    <p:sldId id="256" r:id="rId49"/>
-    <p:sldId id="265" r:id="rId50"/>
-    <p:sldId id="273" r:id="rId51"/>
-    <p:sldId id="272" r:id="rId52"/>
-    <p:sldId id="274" r:id="rId53"/>
+    <p:sldId id="256" r:id="rId46"/>
+    <p:sldId id="265" r:id="rId47"/>
+    <p:sldId id="273" r:id="rId48"/>
+    <p:sldId id="272" r:id="rId49"/>
+    <p:sldId id="274" r:id="rId50"/>
   </p:sldIdLst>
   <p:sldSz cx="12192000" cy="6858000"/>
   <p:notesSz cx="6858000" cy="9144000"/>
@@ -2289,7 +2286,7 @@
           </a:pPr>
           <a:r>
             <a:rPr lang="en-US" dirty="0"/>
-            <a:t>15 mins to exchange questionnaire across groups</a:t>
+            <a:t>5 mins to exchange questionnaire across groups</a:t>
           </a:r>
         </a:p>
       </dgm:t>
@@ -3062,7 +3059,7 @@
           </a:pPr>
           <a:r>
             <a:rPr lang="en-US" sz="2000" kern="1200" dirty="0"/>
-            <a:t>15 mins to exchange questionnaire across groups</a:t>
+            <a:t>5 mins to exchange questionnaire across groups</a:t>
           </a:r>
         </a:p>
       </dsp:txBody>
@@ -5827,7 +5824,7 @@
           <a:p>
             <a:fld id="{73B2889B-A0AC-4482-8592-5C96F2309420}" type="datetimeFigureOut">
               <a:rPr lang="en-US" smtClean="0"/>
-              <a:t>9/28/2021</a:t>
+              <a:t>10/3/2021</a:t>
             </a:fld>
             <a:endParaRPr lang="en-US"/>
           </a:p>
@@ -6004,7 +6001,7 @@
           <a:p>
             <a:fld id="{830EB223-FFC0-462A-A3B8-EAA7CE0F8CBD}" type="datetimeFigureOut">
               <a:rPr lang="en-US" smtClean="0"/>
-              <a:t>9/28/2021</a:t>
+              <a:t>10/3/2021</a:t>
             </a:fld>
             <a:endParaRPr lang="en-US" dirty="0"/>
           </a:p>
@@ -8836,7 +8833,25 @@
           <a:bodyPr/>
           <a:lstStyle/>
           <a:p>
+            <a:r>
+              <a:rPr lang="en-US" dirty="0"/>
+              <a:t>Now we get back to our questionnaire analysis</a:t>
+            </a:r>
+          </a:p>
+          <a:p>
             <a:endParaRPr lang="en-US" dirty="0"/>
+          </a:p>
+          <a:p>
+            <a:endParaRPr lang="en-US" dirty="0"/>
+          </a:p>
+          <a:p>
+            <a:endParaRPr lang="en-US" dirty="0"/>
+          </a:p>
+          <a:p>
+            <a:r>
+              <a:rPr lang="en-US" dirty="0"/>
+              <a:t>(Chapter 13 continue)</a:t>
+            </a:r>
           </a:p>
         </p:txBody>
       </p:sp>
@@ -8857,7 +8872,7 @@
           <a:p>
             <a:fld id="{BC849E9A-41F7-4779-A581-48A7C374A227}" type="slidenum">
               <a:rPr lang="en-US" smtClean="0"/>
-              <a:t>43</a:t>
+              <a:t>42</a:t>
             </a:fld>
             <a:endParaRPr lang="en-US" dirty="0"/>
           </a:p>
@@ -8866,7 +8881,7 @@
     </p:spTree>
     <p:extLst>
       <p:ext uri="{BB962C8B-B14F-4D97-AF65-F5344CB8AC3E}">
-        <p14:creationId xmlns:p14="http://schemas.microsoft.com/office/powerpoint/2010/main" val="4205283744"/>
+        <p14:creationId xmlns:p14="http://schemas.microsoft.com/office/powerpoint/2010/main" val="1368348292"/>
       </p:ext>
     </p:extLst>
   </p:cSld>
@@ -8922,22 +8937,13 @@
           <a:p>
             <a:r>
               <a:rPr lang="en-US" dirty="0"/>
-              <a:t>Now we get back to our questionnaire analysis</a:t>
+              <a:t>Pair up with another group (we have 6 groups in this class)</a:t>
             </a:r>
-          </a:p>
-          <a:p>
-            <a:endParaRPr lang="en-US" dirty="0"/>
-          </a:p>
-          <a:p>
-            <a:endParaRPr lang="en-US" dirty="0"/>
-          </a:p>
-          <a:p>
-            <a:endParaRPr lang="en-US" dirty="0"/>
           </a:p>
           <a:p>
             <a:r>
               <a:rPr lang="en-US" dirty="0"/>
-              <a:t>(Chapter 13 continue)</a:t>
+              <a:t>Exchange your survey, fill it out, and discuss, critique and fill out questionnaire worksheet B </a:t>
             </a:r>
           </a:p>
         </p:txBody>
@@ -8959,7 +8965,7 @@
           <a:p>
             <a:fld id="{BC849E9A-41F7-4779-A581-48A7C374A227}" type="slidenum">
               <a:rPr lang="en-US" smtClean="0"/>
-              <a:t>45</a:t>
+              <a:t>43</a:t>
             </a:fld>
             <a:endParaRPr lang="en-US" dirty="0"/>
           </a:p>
@@ -8968,7 +8974,7 @@
     </p:spTree>
     <p:extLst>
       <p:ext uri="{BB962C8B-B14F-4D97-AF65-F5344CB8AC3E}">
-        <p14:creationId xmlns:p14="http://schemas.microsoft.com/office/powerpoint/2010/main" val="1368348292"/>
+        <p14:creationId xmlns:p14="http://schemas.microsoft.com/office/powerpoint/2010/main" val="4215246378"/>
       </p:ext>
     </p:extLst>
   </p:cSld>
@@ -9024,14 +9030,23 @@
           <a:p>
             <a:r>
               <a:rPr lang="en-US" dirty="0"/>
-              <a:t>Pair up with another group (we have 6 groups in this class)</a:t>
+              <a:t>In case 5, you want to assess your customer satisfaction. And there are 3 options. You have to discuss the advantages and disadvantages of each of them </a:t>
             </a:r>
           </a:p>
           <a:p>
             <a:r>
               <a:rPr lang="en-US" dirty="0"/>
-              <a:t>Exchange your survey, fill it out, and discuss, critique and fill out questionnaire worksheet B </a:t>
+              <a:t>For example, the first option could be rather short and fast, which might increase your response rate. While the second and third are more detail and give you more information, but the attribution rate might be higher than the first one. Moreover, the third option is the constant-sum method which is under comparative-rating scale, which will give you the relative importance among different attributes. </a:t>
             </a:r>
+          </a:p>
+          <a:p>
+            <a:r>
+              <a:rPr lang="en-US" dirty="0"/>
+              <a:t>So please discussion all of the options and how this question relates to the textbook chapter. I don’t want you to miss points regarding how this question relates to the textbook chapter. </a:t>
+            </a:r>
+          </a:p>
+          <a:p>
+            <a:endParaRPr lang="en-US" dirty="0"/>
           </a:p>
         </p:txBody>
       </p:sp>
@@ -9052,109 +9067,7 @@
           <a:p>
             <a:fld id="{BC849E9A-41F7-4779-A581-48A7C374A227}" type="slidenum">
               <a:rPr lang="en-US" smtClean="0"/>
-              <a:t>46</a:t>
-            </a:fld>
-            <a:endParaRPr lang="en-US" dirty="0"/>
-          </a:p>
-        </p:txBody>
-      </p:sp>
-    </p:spTree>
-    <p:extLst>
-      <p:ext uri="{BB962C8B-B14F-4D97-AF65-F5344CB8AC3E}">
-        <p14:creationId xmlns:p14="http://schemas.microsoft.com/office/powerpoint/2010/main" val="4215246378"/>
-      </p:ext>
-    </p:extLst>
-  </p:cSld>
-  <p:clrMapOvr>
-    <a:masterClrMapping/>
-  </p:clrMapOvr>
-</p:notes>
-</file>
-
-<file path=ppt/notesSlides/notesSlide34.xml><?xml version="1.0" encoding="utf-8"?>
-<p:notes xmlns:a="http://schemas.openxmlformats.org/drawingml/2006/main" xmlns:r="http://schemas.openxmlformats.org/officeDocument/2006/relationships" xmlns:p="http://schemas.openxmlformats.org/presentationml/2006/main">
-  <p:cSld>
-    <p:spTree>
-      <p:nvGrpSpPr>
-        <p:cNvPr id="1" name=""/>
-        <p:cNvGrpSpPr/>
-        <p:nvPr/>
-      </p:nvGrpSpPr>
-      <p:grpSpPr>
-        <a:xfrm>
-          <a:off x="0" y="0"/>
-          <a:ext cx="0" cy="0"/>
-          <a:chOff x="0" y="0"/>
-          <a:chExt cx="0" cy="0"/>
-        </a:xfrm>
-      </p:grpSpPr>
-      <p:sp>
-        <p:nvSpPr>
-          <p:cNvPr id="2" name="Slide Image Placeholder 1"/>
-          <p:cNvSpPr>
-            <a:spLocks noGrp="1" noRot="1" noChangeAspect="1"/>
-          </p:cNvSpPr>
-          <p:nvPr>
-            <p:ph type="sldImg"/>
-          </p:nvPr>
-        </p:nvSpPr>
-        <p:spPr/>
-      </p:sp>
-      <p:sp>
-        <p:nvSpPr>
-          <p:cNvPr id="3" name="Notes Placeholder 2"/>
-          <p:cNvSpPr>
-            <a:spLocks noGrp="1"/>
-          </p:cNvSpPr>
-          <p:nvPr>
-            <p:ph type="body" idx="1"/>
-          </p:nvPr>
-        </p:nvSpPr>
-        <p:spPr/>
-        <p:txBody>
-          <a:bodyPr/>
-          <a:lstStyle/>
-          <a:p>
-            <a:r>
-              <a:rPr lang="en-US" dirty="0"/>
-              <a:t>In case 5, you want to assess your customer satisfaction. And there are 3 options. You have to discuss the advantages and disadvantages of each of them </a:t>
-            </a:r>
-          </a:p>
-          <a:p>
-            <a:r>
-              <a:rPr lang="en-US" dirty="0"/>
-              <a:t>For example, the first option could be rather short and fast, which might increase your response rate. While the second and third are more detail and give you more information, but the attribution rate might be higher than the first one. Moreover, the third option is the constant-sum method which is under comparative-rating scale, which will give you the relative importance among different attributes. </a:t>
-            </a:r>
-          </a:p>
-          <a:p>
-            <a:r>
-              <a:rPr lang="en-US" dirty="0"/>
-              <a:t>So please discussion all of the options and how this question relates to the textbook chapter. I don’t want you to miss points regarding how this question relates to the textbook chapter. </a:t>
-            </a:r>
-          </a:p>
-          <a:p>
-            <a:endParaRPr lang="en-US" dirty="0"/>
-          </a:p>
-        </p:txBody>
-      </p:sp>
-      <p:sp>
-        <p:nvSpPr>
-          <p:cNvPr id="4" name="Slide Number Placeholder 3"/>
-          <p:cNvSpPr>
-            <a:spLocks noGrp="1"/>
-          </p:cNvSpPr>
-          <p:nvPr>
-            <p:ph type="sldNum" sz="quarter" idx="5"/>
-          </p:nvPr>
-        </p:nvSpPr>
-        <p:spPr/>
-        <p:txBody>
-          <a:bodyPr/>
-          <a:lstStyle/>
-          <a:p>
-            <a:fld id="{BC849E9A-41F7-4779-A581-48A7C374A227}" type="slidenum">
-              <a:rPr lang="en-US" smtClean="0"/>
-              <a:t>47</a:t>
+              <a:t>44</a:t>
             </a:fld>
             <a:endParaRPr lang="en-US" dirty="0"/>
           </a:p>
@@ -9173,7 +9086,7 @@
 </p:notes>
 </file>
 
-<file path=ppt/notesSlides/notesSlide35.xml><?xml version="1.0" encoding="utf-8"?>
+<file path=ppt/notesSlides/notesSlide34.xml><?xml version="1.0" encoding="utf-8"?>
 <p:notes xmlns:a="http://schemas.openxmlformats.org/drawingml/2006/main" xmlns:r="http://schemas.openxmlformats.org/officeDocument/2006/relationships" xmlns:p="http://schemas.openxmlformats.org/presentationml/2006/main">
   <p:cSld>
     <p:spTree>
@@ -9406,7 +9319,7 @@
           <a:p>
             <a:fld id="{BC849E9A-41F7-4779-A581-48A7C374A227}" type="slidenum">
               <a:rPr lang="en-US" smtClean="0"/>
-              <a:t>49</a:t>
+              <a:t>46</a:t>
             </a:fld>
             <a:endParaRPr lang="en-US" dirty="0"/>
           </a:p>
@@ -10304,7 +10217,7 @@
           <a:p>
             <a:fld id="{652F63C3-457A-404F-AAA3-8F69A90AD8AA}" type="datetime1">
               <a:rPr lang="en-US" smtClean="0"/>
-              <a:t>9/28/2021</a:t>
+              <a:t>10/3/2021</a:t>
             </a:fld>
             <a:endParaRPr lang="en-US" dirty="0"/>
           </a:p>
@@ -10506,7 +10419,7 @@
           <a:p>
             <a:fld id="{90D7BE31-F334-4A5A-B29B-3D5E9040FCF6}" type="datetime1">
               <a:rPr lang="en-US" smtClean="0"/>
-              <a:t>9/28/2021</a:t>
+              <a:t>10/3/2021</a:t>
             </a:fld>
             <a:endParaRPr lang="en-US" dirty="0"/>
           </a:p>
@@ -10718,7 +10631,7 @@
           <a:p>
             <a:fld id="{E27D8CA0-0249-41D2-804F-55EAFCB3B1FC}" type="datetime1">
               <a:rPr lang="en-US" smtClean="0"/>
-              <a:t>9/28/2021</a:t>
+              <a:t>10/3/2021</a:t>
             </a:fld>
             <a:endParaRPr lang="en-US" dirty="0"/>
           </a:p>
@@ -10920,7 +10833,7 @@
           <a:p>
             <a:fld id="{978A0CA8-73C9-417F-A36E-C4BA7C1C6642}" type="datetime1">
               <a:rPr lang="en-US" smtClean="0"/>
-              <a:t>9/28/2021</a:t>
+              <a:t>10/3/2021</a:t>
             </a:fld>
             <a:endParaRPr lang="en-US" dirty="0"/>
           </a:p>
@@ -11199,7 +11112,7 @@
           <a:p>
             <a:fld id="{62B6FF38-DD63-473C-B2A6-F16CDF318C96}" type="datetime1">
               <a:rPr lang="en-US" smtClean="0"/>
-              <a:t>9/28/2021</a:t>
+              <a:t>10/3/2021</a:t>
             </a:fld>
             <a:endParaRPr lang="en-US" dirty="0"/>
           </a:p>
@@ -11468,7 +11381,7 @@
           <a:p>
             <a:fld id="{10772E45-5CB0-42B2-8B8D-73EC30177BE9}" type="datetime1">
               <a:rPr lang="en-US" smtClean="0"/>
-              <a:t>9/28/2021</a:t>
+              <a:t>10/3/2021</a:t>
             </a:fld>
             <a:endParaRPr lang="en-US" dirty="0"/>
           </a:p>
@@ -11884,7 +11797,7 @@
           <a:p>
             <a:fld id="{A80C3EC0-F698-4DB8-8DE1-3EE7007C63C0}" type="datetime1">
               <a:rPr lang="en-US" smtClean="0"/>
-              <a:t>9/28/2021</a:t>
+              <a:t>10/3/2021</a:t>
             </a:fld>
             <a:endParaRPr lang="en-US" dirty="0"/>
           </a:p>
@@ -12029,7 +11942,7 @@
           <a:p>
             <a:fld id="{B1D7AA44-BA0F-4534-BC47-63051C7ACB88}" type="datetime1">
               <a:rPr lang="en-US" smtClean="0"/>
-              <a:t>9/28/2021</a:t>
+              <a:t>10/3/2021</a:t>
             </a:fld>
             <a:endParaRPr lang="en-US" dirty="0"/>
           </a:p>
@@ -12146,7 +12059,7 @@
           <a:p>
             <a:fld id="{917D2CBF-A2D2-4798-ACA0-B49D331DADDD}" type="datetime1">
               <a:rPr lang="en-US" smtClean="0"/>
-              <a:t>9/28/2021</a:t>
+              <a:t>10/3/2021</a:t>
             </a:fld>
             <a:endParaRPr lang="en-US" dirty="0"/>
           </a:p>
@@ -12461,7 +12374,7 @@
           <a:p>
             <a:fld id="{5ABFC442-6CCF-4306-931F-EB33335B597E}" type="datetime1">
               <a:rPr lang="en-US" smtClean="0"/>
-              <a:t>9/28/2021</a:t>
+              <a:t>10/3/2021</a:t>
             </a:fld>
             <a:endParaRPr lang="en-US" dirty="0"/>
           </a:p>
@@ -12757,7 +12670,7 @@
           <a:p>
             <a:fld id="{DCE8E768-B816-42BE-AB00-4363C8FC5A56}" type="datetime1">
               <a:rPr lang="en-US" smtClean="0"/>
-              <a:t>9/28/2021</a:t>
+              <a:t>10/3/2021</a:t>
             </a:fld>
             <a:endParaRPr lang="en-US" dirty="0"/>
           </a:p>
@@ -13002,7 +12915,7 @@
           <a:p>
             <a:fld id="{3C0B4283-5C87-4BB4-AE30-920C64243E43}" type="datetime1">
               <a:rPr lang="en-US" smtClean="0"/>
-              <a:t>9/28/2021</a:t>
+              <a:t>10/3/2021</a:t>
             </a:fld>
             <a:endParaRPr lang="en-US" dirty="0"/>
           </a:p>
@@ -23400,8 +23313,8 @@
           </a:p>
         </p:txBody>
       </p:sp>
-      <mc:AlternateContent xmlns:mc="http://schemas.openxmlformats.org/markup-compatibility/2006">
-        <mc:Choice xmlns:a14="http://schemas.microsoft.com/office/drawing/2010/main" Requires="a14">
+      <mc:AlternateContent xmlns:mc="http://schemas.openxmlformats.org/markup-compatibility/2006" xmlns:a14="http://schemas.microsoft.com/office/drawing/2010/main">
+        <mc:Choice Requires="a14">
           <p:sp>
             <p:nvSpPr>
               <p:cNvPr id="3" name="Content Placeholder 2">
@@ -23442,7 +23355,6 @@
                 </a:r>
               </a:p>
               <a:p>
-                <a:pPr/>
                 <a14:m>
                   <m:oMath xmlns:m="http://schemas.openxmlformats.org/officeDocument/2006/math">
                     <m:r>
@@ -23581,7 +23493,7 @@
             </p:txBody>
           </p:sp>
         </mc:Choice>
-        <mc:Fallback>
+        <mc:Fallback xmlns="">
           <p:sp>
             <p:nvSpPr>
               <p:cNvPr id="3" name="Content Placeholder 2">
@@ -24396,8 +24308,8 @@
           </a:p>
         </p:txBody>
       </p:sp>
-      <mc:AlternateContent xmlns:mc="http://schemas.openxmlformats.org/markup-compatibility/2006">
-        <mc:Choice xmlns:a14="http://schemas.microsoft.com/office/drawing/2010/main" Requires="a14">
+      <mc:AlternateContent xmlns:mc="http://schemas.openxmlformats.org/markup-compatibility/2006" xmlns:a14="http://schemas.microsoft.com/office/drawing/2010/main">
+        <mc:Choice Requires="a14">
           <p:sp>
             <p:nvSpPr>
               <p:cNvPr id="3" name="Content Placeholder 2">
@@ -24604,7 +24516,7 @@
             </p:txBody>
           </p:sp>
         </mc:Choice>
-        <mc:Fallback>
+        <mc:Fallback xmlns="">
           <p:sp>
             <p:nvSpPr>
               <p:cNvPr id="3" name="Content Placeholder 2">
@@ -25739,8 +25651,8 @@
           </a:p>
         </p:txBody>
       </p:sp>
-      <mc:AlternateContent xmlns:mc="http://schemas.openxmlformats.org/markup-compatibility/2006">
-        <mc:Choice xmlns:a14="http://schemas.microsoft.com/office/drawing/2010/main" Requires="a14">
+      <mc:AlternateContent xmlns:mc="http://schemas.openxmlformats.org/markup-compatibility/2006" xmlns:a14="http://schemas.microsoft.com/office/drawing/2010/main">
+        <mc:Choice Requires="a14">
           <p:sp>
             <p:nvSpPr>
               <p:cNvPr id="3" name="Content Placeholder 2">
@@ -26091,7 +26003,7 @@
             </p:txBody>
           </p:sp>
         </mc:Choice>
-        <mc:Fallback>
+        <mc:Fallback xmlns="">
           <p:sp>
             <p:nvSpPr>
               <p:cNvPr id="3" name="Content Placeholder 2">
@@ -27077,8 +26989,8 @@
           </a:p>
         </p:txBody>
       </p:sp>
-      <mc:AlternateContent xmlns:mc="http://schemas.openxmlformats.org/markup-compatibility/2006">
-        <mc:Choice xmlns:a14="http://schemas.microsoft.com/office/drawing/2010/main" Requires="a14">
+      <mc:AlternateContent xmlns:mc="http://schemas.openxmlformats.org/markup-compatibility/2006" xmlns:a14="http://schemas.microsoft.com/office/drawing/2010/main">
+        <mc:Choice Requires="a14">
           <p:sp>
             <p:nvSpPr>
               <p:cNvPr id="3" name="Content Placeholder 2">
@@ -27107,7 +27019,6 @@
               </a:bodyPr>
               <a:lstStyle/>
               <a:p>
-                <a:pPr/>
                 <a14:m>
                   <m:oMath xmlns:m="http://schemas.openxmlformats.org/officeDocument/2006/math">
                     <m:r>
@@ -27297,7 +27208,7 @@
             </p:txBody>
           </p:sp>
         </mc:Choice>
-        <mc:Fallback>
+        <mc:Fallback xmlns="">
           <p:sp>
             <p:nvSpPr>
               <p:cNvPr id="3" name="Content Placeholder 2">
@@ -28780,10 +28691,10 @@
       </p:grpSpPr>
       <p:sp useBgFill="1">
         <p:nvSpPr>
-          <p:cNvPr id="2054" name="Rectangle 136">
+          <p:cNvPr id="2056" name="Rectangle 74">
             <a:extLst>
               <a:ext uri="{FF2B5EF4-FFF2-40B4-BE49-F238E27FC236}">
-                <a16:creationId xmlns:a16="http://schemas.microsoft.com/office/drawing/2014/main" id="{8761DDFE-071F-4200-B0AA-394476C2D2D6}"/>
+                <a16:creationId xmlns:a16="http://schemas.microsoft.com/office/drawing/2014/main" id="{5AC1364A-3E3D-4F0D-8776-78AF3A270DD6}"/>
               </a:ext>
               <a:ext uri="{C183D7F6-B498-43B3-948B-1728B52AA6E4}">
                 <adec:decorative xmlns:adec="http://schemas.microsoft.com/office/drawing/2017/decorative" val="1"/>
@@ -28803,7 +28714,7 @@
         </p:nvSpPr>
         <p:spPr>
           <a:xfrm>
-            <a:off x="-1" y="0"/>
+            <a:off x="0" y="0"/>
             <a:ext cx="12188952" cy="6858000"/>
           </a:xfrm>
           <a:prstGeom prst="rect">
@@ -28856,102 +28767,19 @@
         </p:nvSpPr>
         <p:spPr>
           <a:xfrm>
-            <a:off x="838198" y="547815"/>
-            <a:ext cx="5167185" cy="1680519"/>
+            <a:off x="4797501" y="329184"/>
+            <a:ext cx="6755626" cy="1783080"/>
           </a:xfrm>
         </p:spPr>
         <p:txBody>
-          <a:bodyPr>
+          <a:bodyPr anchor="b">
             <a:normAutofit/>
           </a:bodyPr>
           <a:lstStyle/>
           <a:p>
             <a:r>
-              <a:rPr lang="en-US" sz="4000"/>
+              <a:rPr lang="en-US" sz="5400"/>
               <a:t>Step 4: Determine the Sample Size</a:t>
-            </a:r>
-          </a:p>
-        </p:txBody>
-      </p:sp>
-      <p:sp>
-        <p:nvSpPr>
-          <p:cNvPr id="3" name="Content Placeholder 2">
-            <a:extLst>
-              <a:ext uri="{FF2B5EF4-FFF2-40B4-BE49-F238E27FC236}">
-                <a16:creationId xmlns:a16="http://schemas.microsoft.com/office/drawing/2014/main" id="{75644F2C-C0B9-443F-83F8-728871C56D34}"/>
-              </a:ext>
-            </a:extLst>
-          </p:cNvPr>
-          <p:cNvSpPr>
-            <a:spLocks noGrp="1"/>
-          </p:cNvSpPr>
-          <p:nvPr>
-            <p:ph idx="1"/>
-          </p:nvPr>
-        </p:nvSpPr>
-        <p:spPr>
-          <a:xfrm>
-            <a:off x="6186619" y="547815"/>
-            <a:ext cx="5178960" cy="1680519"/>
-          </a:xfrm>
-        </p:spPr>
-        <p:txBody>
-          <a:bodyPr anchor="ctr">
-            <a:normAutofit/>
-          </a:bodyPr>
-          <a:lstStyle/>
-          <a:p>
-            <a:r>
-              <a:rPr lang="en-US" sz="800"/>
-              <a:t>To determine the necessary sample size, we need 3 pieces of info:</a:t>
-            </a:r>
-          </a:p>
-          <a:p>
-            <a:pPr marL="914400" lvl="1" indent="-457200">
-              <a:buFont typeface="+mj-lt"/>
-              <a:buAutoNum type="arabicPeriod"/>
-            </a:pPr>
-            <a:r>
-              <a:rPr lang="en-US" sz="800"/>
-              <a:t>How homogeneous (similar) the population is on the characteristic to be estimated</a:t>
-            </a:r>
-          </a:p>
-          <a:p>
-            <a:pPr marL="914400" lvl="1" indent="-457200">
-              <a:buFont typeface="+mj-lt"/>
-              <a:buAutoNum type="arabicPeriod"/>
-            </a:pPr>
-            <a:r>
-              <a:rPr lang="en-US" sz="800"/>
-              <a:t>How much precision is needed in the estimate </a:t>
-            </a:r>
-          </a:p>
-          <a:p>
-            <a:pPr marL="914400" lvl="1" indent="-457200">
-              <a:buFont typeface="+mj-lt"/>
-              <a:buAutoNum type="arabicPeriod"/>
-            </a:pPr>
-            <a:r>
-              <a:rPr lang="en-US" sz="800"/>
-              <a:t>How confident we need to be that the true value falls within the precision range established </a:t>
-            </a:r>
-          </a:p>
-          <a:p>
-            <a:r>
-              <a:rPr lang="en-US" sz="800"/>
-              <a:t>Precision: the degree of error in an estimate of a population parameter </a:t>
-            </a:r>
-          </a:p>
-          <a:p>
-            <a:r>
-              <a:rPr lang="en-US" sz="800"/>
-              <a:t>Confidence: the degree to which one can feel confident that an estimate approximates the true value </a:t>
-            </a:r>
-          </a:p>
-          <a:p>
-            <a:r>
-              <a:rPr lang="en-US" sz="800"/>
-              <a:t>Precision and confidence are inversely related: as one increases, the other decreases, all else equal </a:t>
             </a:r>
           </a:p>
         </p:txBody>
@@ -28984,8 +28812,8 @@
         </p:blipFill>
         <p:spPr bwMode="auto">
           <a:xfrm>
-            <a:off x="656962" y="2190239"/>
-            <a:ext cx="4655063" cy="4655063"/>
+            <a:off x="373380" y="0"/>
+            <a:ext cx="3907536" cy="3907536"/>
           </a:xfrm>
           <a:prstGeom prst="rect">
             <a:avLst/>
@@ -29002,6 +28830,349 @@
           </a:extLst>
         </p:spPr>
       </p:pic>
+      <p:sp>
+        <p:nvSpPr>
+          <p:cNvPr id="2057" name="sketchy line">
+            <a:extLst>
+              <a:ext uri="{FF2B5EF4-FFF2-40B4-BE49-F238E27FC236}">
+                <a16:creationId xmlns:a16="http://schemas.microsoft.com/office/drawing/2014/main" id="{3FCFB1DE-0B7E-48CC-BA90-B2AB0889F9D6}"/>
+              </a:ext>
+              <a:ext uri="{C183D7F6-B498-43B3-948B-1728B52AA6E4}">
+                <adec:decorative xmlns:adec="http://schemas.microsoft.com/office/drawing/2017/decorative" val="1"/>
+              </a:ext>
+            </a:extLst>
+          </p:cNvPr>
+          <p:cNvSpPr>
+            <a:spLocks noGrp="1" noRot="1" noChangeAspect="1" noMove="1" noResize="1" noEditPoints="1" noAdjustHandles="1" noChangeArrowheads="1" noChangeShapeType="1" noTextEdit="1"/>
+          </p:cNvSpPr>
+          <p:nvPr>
+            <p:extLst>
+              <p:ext uri="{386F3935-93C4-4BCD-93E2-E3B085C9AB24}">
+                <p16:designElem xmlns:p16="http://schemas.microsoft.com/office/powerpoint/2015/main" val="1"/>
+              </p:ext>
+            </p:extLst>
+          </p:nvPr>
+        </p:nvSpPr>
+        <p:spPr>
+          <a:xfrm>
+            <a:off x="4797494" y="2395728"/>
+            <a:ext cx="4243589" cy="18288"/>
+          </a:xfrm>
+          <a:custGeom>
+            <a:avLst/>
+            <a:gdLst>
+              <a:gd name="connsiteX0" fmla="*/ 0 w 4243589"/>
+              <a:gd name="connsiteY0" fmla="*/ 0 h 18288"/>
+              <a:gd name="connsiteX1" fmla="*/ 478919 w 4243589"/>
+              <a:gd name="connsiteY1" fmla="*/ 0 h 18288"/>
+              <a:gd name="connsiteX2" fmla="*/ 957839 w 4243589"/>
+              <a:gd name="connsiteY2" fmla="*/ 0 h 18288"/>
+              <a:gd name="connsiteX3" fmla="*/ 1521630 w 4243589"/>
+              <a:gd name="connsiteY3" fmla="*/ 0 h 18288"/>
+              <a:gd name="connsiteX4" fmla="*/ 2212729 w 4243589"/>
+              <a:gd name="connsiteY4" fmla="*/ 0 h 18288"/>
+              <a:gd name="connsiteX5" fmla="*/ 2734084 w 4243589"/>
+              <a:gd name="connsiteY5" fmla="*/ 0 h 18288"/>
+              <a:gd name="connsiteX6" fmla="*/ 3255439 w 4243589"/>
+              <a:gd name="connsiteY6" fmla="*/ 0 h 18288"/>
+              <a:gd name="connsiteX7" fmla="*/ 4243589 w 4243589"/>
+              <a:gd name="connsiteY7" fmla="*/ 0 h 18288"/>
+              <a:gd name="connsiteX8" fmla="*/ 4243589 w 4243589"/>
+              <a:gd name="connsiteY8" fmla="*/ 18288 h 18288"/>
+              <a:gd name="connsiteX9" fmla="*/ 3594926 w 4243589"/>
+              <a:gd name="connsiteY9" fmla="*/ 18288 h 18288"/>
+              <a:gd name="connsiteX10" fmla="*/ 3073571 w 4243589"/>
+              <a:gd name="connsiteY10" fmla="*/ 18288 h 18288"/>
+              <a:gd name="connsiteX11" fmla="*/ 2552216 w 4243589"/>
+              <a:gd name="connsiteY11" fmla="*/ 18288 h 18288"/>
+              <a:gd name="connsiteX12" fmla="*/ 1903553 w 4243589"/>
+              <a:gd name="connsiteY12" fmla="*/ 18288 h 18288"/>
+              <a:gd name="connsiteX13" fmla="*/ 1212454 w 4243589"/>
+              <a:gd name="connsiteY13" fmla="*/ 18288 h 18288"/>
+              <a:gd name="connsiteX14" fmla="*/ 733535 w 4243589"/>
+              <a:gd name="connsiteY14" fmla="*/ 18288 h 18288"/>
+              <a:gd name="connsiteX15" fmla="*/ 0 w 4243589"/>
+              <a:gd name="connsiteY15" fmla="*/ 18288 h 18288"/>
+              <a:gd name="connsiteX16" fmla="*/ 0 w 4243589"/>
+              <a:gd name="connsiteY16" fmla="*/ 0 h 18288"/>
+            </a:gdLst>
+            <a:ahLst/>
+            <a:cxnLst>
+              <a:cxn ang="0">
+                <a:pos x="connsiteX0" y="connsiteY0"/>
+              </a:cxn>
+              <a:cxn ang="0">
+                <a:pos x="connsiteX1" y="connsiteY1"/>
+              </a:cxn>
+              <a:cxn ang="0">
+                <a:pos x="connsiteX2" y="connsiteY2"/>
+              </a:cxn>
+              <a:cxn ang="0">
+                <a:pos x="connsiteX3" y="connsiteY3"/>
+              </a:cxn>
+              <a:cxn ang="0">
+                <a:pos x="connsiteX4" y="connsiteY4"/>
+              </a:cxn>
+              <a:cxn ang="0">
+                <a:pos x="connsiteX5" y="connsiteY5"/>
+              </a:cxn>
+              <a:cxn ang="0">
+                <a:pos x="connsiteX6" y="connsiteY6"/>
+              </a:cxn>
+              <a:cxn ang="0">
+                <a:pos x="connsiteX7" y="connsiteY7"/>
+              </a:cxn>
+              <a:cxn ang="0">
+                <a:pos x="connsiteX8" y="connsiteY8"/>
+              </a:cxn>
+              <a:cxn ang="0">
+                <a:pos x="connsiteX9" y="connsiteY9"/>
+              </a:cxn>
+              <a:cxn ang="0">
+                <a:pos x="connsiteX10" y="connsiteY10"/>
+              </a:cxn>
+              <a:cxn ang="0">
+                <a:pos x="connsiteX11" y="connsiteY11"/>
+              </a:cxn>
+              <a:cxn ang="0">
+                <a:pos x="connsiteX12" y="connsiteY12"/>
+              </a:cxn>
+              <a:cxn ang="0">
+                <a:pos x="connsiteX13" y="connsiteY13"/>
+              </a:cxn>
+              <a:cxn ang="0">
+                <a:pos x="connsiteX14" y="connsiteY14"/>
+              </a:cxn>
+              <a:cxn ang="0">
+                <a:pos x="connsiteX15" y="connsiteY15"/>
+              </a:cxn>
+              <a:cxn ang="0">
+                <a:pos x="connsiteX16" y="connsiteY16"/>
+              </a:cxn>
+            </a:cxnLst>
+            <a:rect l="l" t="t" r="r" b="b"/>
+            <a:pathLst>
+              <a:path w="4243589" h="18288" fill="none" extrusionOk="0">
+                <a:moveTo>
+                  <a:pt x="0" y="0"/>
+                </a:moveTo>
+                <a:cubicBezTo>
+                  <a:pt x="213395" y="-21006"/>
+                  <a:pt x="307421" y="-18116"/>
+                  <a:pt x="478919" y="0"/>
+                </a:cubicBezTo>
+                <a:cubicBezTo>
+                  <a:pt x="650417" y="18116"/>
+                  <a:pt x="831092" y="-21237"/>
+                  <a:pt x="957839" y="0"/>
+                </a:cubicBezTo>
+                <a:cubicBezTo>
+                  <a:pt x="1084586" y="21237"/>
+                  <a:pt x="1301682" y="25124"/>
+                  <a:pt x="1521630" y="0"/>
+                </a:cubicBezTo>
+                <a:cubicBezTo>
+                  <a:pt x="1741578" y="-25124"/>
+                  <a:pt x="1970269" y="-29139"/>
+                  <a:pt x="2212729" y="0"/>
+                </a:cubicBezTo>
+                <a:cubicBezTo>
+                  <a:pt x="2455189" y="29139"/>
+                  <a:pt x="2558847" y="-4796"/>
+                  <a:pt x="2734084" y="0"/>
+                </a:cubicBezTo>
+                <a:cubicBezTo>
+                  <a:pt x="2909321" y="4796"/>
+                  <a:pt x="3097217" y="-13409"/>
+                  <a:pt x="3255439" y="0"/>
+                </a:cubicBezTo>
+                <a:cubicBezTo>
+                  <a:pt x="3413662" y="13409"/>
+                  <a:pt x="3979999" y="-10121"/>
+                  <a:pt x="4243589" y="0"/>
+                </a:cubicBezTo>
+                <a:cubicBezTo>
+                  <a:pt x="4244484" y="8974"/>
+                  <a:pt x="4243043" y="9359"/>
+                  <a:pt x="4243589" y="18288"/>
+                </a:cubicBezTo>
+                <a:cubicBezTo>
+                  <a:pt x="4058777" y="31246"/>
+                  <a:pt x="3910348" y="3158"/>
+                  <a:pt x="3594926" y="18288"/>
+                </a:cubicBezTo>
+                <a:cubicBezTo>
+                  <a:pt x="3279504" y="33418"/>
+                  <a:pt x="3319955" y="-3977"/>
+                  <a:pt x="3073571" y="18288"/>
+                </a:cubicBezTo>
+                <a:cubicBezTo>
+                  <a:pt x="2827187" y="40553"/>
+                  <a:pt x="2767387" y="1863"/>
+                  <a:pt x="2552216" y="18288"/>
+                </a:cubicBezTo>
+                <a:cubicBezTo>
+                  <a:pt x="2337046" y="34713"/>
+                  <a:pt x="2181871" y="19527"/>
+                  <a:pt x="1903553" y="18288"/>
+                </a:cubicBezTo>
+                <a:cubicBezTo>
+                  <a:pt x="1625235" y="17049"/>
+                  <a:pt x="1557672" y="24174"/>
+                  <a:pt x="1212454" y="18288"/>
+                </a:cubicBezTo>
+                <a:cubicBezTo>
+                  <a:pt x="867236" y="12402"/>
+                  <a:pt x="874382" y="15627"/>
+                  <a:pt x="733535" y="18288"/>
+                </a:cubicBezTo>
+                <a:cubicBezTo>
+                  <a:pt x="592688" y="20949"/>
+                  <a:pt x="183477" y="14753"/>
+                  <a:pt x="0" y="18288"/>
+                </a:cubicBezTo>
+                <a:cubicBezTo>
+                  <a:pt x="-229" y="14222"/>
+                  <a:pt x="509" y="5816"/>
+                  <a:pt x="0" y="0"/>
+                </a:cubicBezTo>
+                <a:close/>
+              </a:path>
+              <a:path w="4243589" h="18288" stroke="0" extrusionOk="0">
+                <a:moveTo>
+                  <a:pt x="0" y="0"/>
+                </a:moveTo>
+                <a:cubicBezTo>
+                  <a:pt x="143690" y="16630"/>
+                  <a:pt x="266667" y="14847"/>
+                  <a:pt x="521355" y="0"/>
+                </a:cubicBezTo>
+                <a:cubicBezTo>
+                  <a:pt x="776043" y="-14847"/>
+                  <a:pt x="814491" y="-17363"/>
+                  <a:pt x="1000275" y="0"/>
+                </a:cubicBezTo>
+                <a:cubicBezTo>
+                  <a:pt x="1186059" y="17363"/>
+                  <a:pt x="1352504" y="-23507"/>
+                  <a:pt x="1521630" y="0"/>
+                </a:cubicBezTo>
+                <a:cubicBezTo>
+                  <a:pt x="1690756" y="23507"/>
+                  <a:pt x="1889525" y="5871"/>
+                  <a:pt x="2127857" y="0"/>
+                </a:cubicBezTo>
+                <a:cubicBezTo>
+                  <a:pt x="2366189" y="-5871"/>
+                  <a:pt x="2620628" y="-27997"/>
+                  <a:pt x="2776520" y="0"/>
+                </a:cubicBezTo>
+                <a:cubicBezTo>
+                  <a:pt x="2932412" y="27997"/>
+                  <a:pt x="3131683" y="-25073"/>
+                  <a:pt x="3467618" y="0"/>
+                </a:cubicBezTo>
+                <a:cubicBezTo>
+                  <a:pt x="3803553" y="25073"/>
+                  <a:pt x="4017371" y="3071"/>
+                  <a:pt x="4243589" y="0"/>
+                </a:cubicBezTo>
+                <a:cubicBezTo>
+                  <a:pt x="4243134" y="6162"/>
+                  <a:pt x="4243492" y="11775"/>
+                  <a:pt x="4243589" y="18288"/>
+                </a:cubicBezTo>
+                <a:cubicBezTo>
+                  <a:pt x="4017834" y="-5779"/>
+                  <a:pt x="3834586" y="13376"/>
+                  <a:pt x="3594926" y="18288"/>
+                </a:cubicBezTo>
+                <a:cubicBezTo>
+                  <a:pt x="3355266" y="23200"/>
+                  <a:pt x="3204179" y="2869"/>
+                  <a:pt x="2903827" y="18288"/>
+                </a:cubicBezTo>
+                <a:cubicBezTo>
+                  <a:pt x="2603475" y="33707"/>
+                  <a:pt x="2526187" y="46187"/>
+                  <a:pt x="2212729" y="18288"/>
+                </a:cubicBezTo>
+                <a:cubicBezTo>
+                  <a:pt x="1899271" y="-9611"/>
+                  <a:pt x="1966289" y="29692"/>
+                  <a:pt x="1733809" y="18288"/>
+                </a:cubicBezTo>
+                <a:cubicBezTo>
+                  <a:pt x="1501329" y="6884"/>
+                  <a:pt x="1343612" y="12492"/>
+                  <a:pt x="1085146" y="18288"/>
+                </a:cubicBezTo>
+                <a:cubicBezTo>
+                  <a:pt x="826680" y="24084"/>
+                  <a:pt x="778184" y="35607"/>
+                  <a:pt x="521355" y="18288"/>
+                </a:cubicBezTo>
+                <a:cubicBezTo>
+                  <a:pt x="264526" y="969"/>
+                  <a:pt x="120277" y="4268"/>
+                  <a:pt x="0" y="18288"/>
+                </a:cubicBezTo>
+                <a:cubicBezTo>
+                  <a:pt x="766" y="10800"/>
+                  <a:pt x="-457" y="8180"/>
+                  <a:pt x="0" y="0"/>
+                </a:cubicBezTo>
+                <a:close/>
+              </a:path>
+            </a:pathLst>
+          </a:custGeom>
+          <a:solidFill>
+            <a:schemeClr val="accent2"/>
+          </a:solidFill>
+          <a:ln w="41275" cap="rnd">
+            <a:solidFill>
+              <a:schemeClr val="accent2"/>
+            </a:solidFill>
+            <a:round/>
+            <a:extLst>
+              <a:ext uri="{C807C97D-BFC1-408E-A445-0C87EB9F89A2}">
+                <ask:lineSketchStyleProps xmlns:ask="http://schemas.microsoft.com/office/drawing/2018/sketchyshapes" sd="2727557108">
+                  <a:prstGeom prst="rect">
+                    <a:avLst/>
+                  </a:prstGeom>
+                  <ask:type>
+                    <ask:lineSketchFreehand/>
+                  </ask:type>
+                </ask:lineSketchStyleProps>
+              </a:ext>
+            </a:extLst>
+          </a:ln>
+        </p:spPr>
+        <p:style>
+          <a:lnRef idx="2">
+            <a:schemeClr val="accent1">
+              <a:shade val="50000"/>
+            </a:schemeClr>
+          </a:lnRef>
+          <a:fillRef idx="1">
+            <a:schemeClr val="accent1"/>
+          </a:fillRef>
+          <a:effectRef idx="0">
+            <a:schemeClr val="accent1"/>
+          </a:effectRef>
+          <a:fontRef idx="minor">
+            <a:schemeClr val="lt1"/>
+          </a:fontRef>
+        </p:style>
+        <p:txBody>
+          <a:bodyPr rtlCol="0" anchor="ctr"/>
+          <a:lstStyle/>
+          <a:p>
+            <a:pPr algn="ctr"/>
+            <a:endParaRPr lang="en-US"/>
+          </a:p>
+        </p:txBody>
+      </p:sp>
       <p:pic>
         <p:nvPicPr>
           <p:cNvPr id="2052" name="Picture 4" descr="Comprehensive &amp;amp; Practical Inferential Statistics Guide for data science">
@@ -29030,8 +29201,8 @@
         </p:blipFill>
         <p:spPr bwMode="auto">
           <a:xfrm>
-            <a:off x="6198394" y="3004193"/>
-            <a:ext cx="5167185" cy="2546608"/>
+            <a:off x="320040" y="4214317"/>
+            <a:ext cx="3995928" cy="1969363"/>
           </a:xfrm>
           <a:prstGeom prst="rect">
             <a:avLst/>
@@ -29048,6 +29219,89 @@
           </a:extLst>
         </p:spPr>
       </p:pic>
+      <p:sp>
+        <p:nvSpPr>
+          <p:cNvPr id="3" name="Content Placeholder 2">
+            <a:extLst>
+              <a:ext uri="{FF2B5EF4-FFF2-40B4-BE49-F238E27FC236}">
+                <a16:creationId xmlns:a16="http://schemas.microsoft.com/office/drawing/2014/main" id="{75644F2C-C0B9-443F-83F8-728871C56D34}"/>
+              </a:ext>
+            </a:extLst>
+          </p:cNvPr>
+          <p:cNvSpPr>
+            <a:spLocks noGrp="1"/>
+          </p:cNvSpPr>
+          <p:nvPr>
+            <p:ph idx="1"/>
+          </p:nvPr>
+        </p:nvSpPr>
+        <p:spPr>
+          <a:xfrm>
+            <a:off x="4797494" y="2706624"/>
+            <a:ext cx="6755626" cy="3483864"/>
+          </a:xfrm>
+        </p:spPr>
+        <p:txBody>
+          <a:bodyPr>
+            <a:normAutofit/>
+          </a:bodyPr>
+          <a:lstStyle/>
+          <a:p>
+            <a:r>
+              <a:rPr lang="en-US" sz="1700" dirty="0"/>
+              <a:t>To determine the necessary sample size, we need 3 pieces of info:</a:t>
+            </a:r>
+          </a:p>
+          <a:p>
+            <a:pPr marL="914400" lvl="1" indent="-457200">
+              <a:buFont typeface="+mj-lt"/>
+              <a:buAutoNum type="arabicPeriod"/>
+            </a:pPr>
+            <a:r>
+              <a:rPr lang="en-US" sz="1700" dirty="0"/>
+              <a:t>How homogeneous (similar) the population is on the characteristic to be estimated</a:t>
+            </a:r>
+          </a:p>
+          <a:p>
+            <a:pPr marL="914400" lvl="1" indent="-457200">
+              <a:buFont typeface="+mj-lt"/>
+              <a:buAutoNum type="arabicPeriod"/>
+            </a:pPr>
+            <a:r>
+              <a:rPr lang="en-US" sz="1700" dirty="0"/>
+              <a:t>How much precision is needed in the estimate </a:t>
+            </a:r>
+          </a:p>
+          <a:p>
+            <a:pPr marL="914400" lvl="1" indent="-457200">
+              <a:buFont typeface="+mj-lt"/>
+              <a:buAutoNum type="arabicPeriod"/>
+            </a:pPr>
+            <a:r>
+              <a:rPr lang="en-US" sz="1700" dirty="0"/>
+              <a:t>How confident we need to be that the true value falls within the precision range established </a:t>
+            </a:r>
+          </a:p>
+          <a:p>
+            <a:r>
+              <a:rPr lang="en-US" sz="1700" dirty="0"/>
+              <a:t>Precision: the degree of error in an estimate of a population parameter </a:t>
+            </a:r>
+          </a:p>
+          <a:p>
+            <a:r>
+              <a:rPr lang="en-US" sz="1700" dirty="0"/>
+              <a:t>Confidence: the degree to which one can feel confident that an estimate approximates the true value </a:t>
+            </a:r>
+          </a:p>
+          <a:p>
+            <a:r>
+              <a:rPr lang="en-US" sz="1700" dirty="0"/>
+              <a:t>Precision and confidence are inversely related: as one increases, the other decreases, all else equal </a:t>
+            </a:r>
+          </a:p>
+        </p:txBody>
+      </p:sp>
     </p:spTree>
     <p:extLst>
       <p:ext uri="{BB962C8B-B14F-4D97-AF65-F5344CB8AC3E}">
@@ -29819,8 +30073,8 @@
           </a:p>
         </p:txBody>
       </p:sp>
-      <mc:AlternateContent xmlns:mc="http://schemas.openxmlformats.org/markup-compatibility/2006">
-        <mc:Choice xmlns:a14="http://schemas.microsoft.com/office/drawing/2010/main" Requires="a14">
+      <mc:AlternateContent xmlns:mc="http://schemas.openxmlformats.org/markup-compatibility/2006" xmlns:a14="http://schemas.microsoft.com/office/drawing/2010/main">
+        <mc:Choice Requires="a14">
           <p:sp>
             <p:nvSpPr>
               <p:cNvPr id="3" name="Content Placeholder 2">
@@ -29849,7 +30103,6 @@
               </a:bodyPr>
               <a:lstStyle/>
               <a:p>
-                <a:pPr/>
                 <a14:m>
                   <m:oMath xmlns:m="http://schemas.openxmlformats.org/officeDocument/2006/math">
                     <m:r>
@@ -30046,7 +30299,7 @@
             </p:txBody>
           </p:sp>
         </mc:Choice>
-        <mc:Fallback>
+        <mc:Fallback xmlns="">
           <p:sp>
             <p:nvSpPr>
               <p:cNvPr id="3" name="Content Placeholder 2">
@@ -30861,8 +31114,8 @@
           </a:p>
         </p:txBody>
       </p:sp>
-      <mc:AlternateContent xmlns:mc="http://schemas.openxmlformats.org/markup-compatibility/2006">
-        <mc:Choice xmlns:a14="http://schemas.microsoft.com/office/drawing/2010/main" Requires="a14">
+      <mc:AlternateContent xmlns:mc="http://schemas.openxmlformats.org/markup-compatibility/2006" xmlns:a14="http://schemas.microsoft.com/office/drawing/2010/main">
+        <mc:Choice Requires="a14">
           <p:sp>
             <p:nvSpPr>
               <p:cNvPr id="3" name="Content Placeholder 2">
@@ -30953,7 +31206,7 @@
             </p:txBody>
           </p:sp>
         </mc:Choice>
-        <mc:Fallback>
+        <mc:Fallback xmlns="">
           <p:sp>
             <p:nvSpPr>
               <p:cNvPr id="3" name="Content Placeholder 2">
@@ -31768,8 +32021,8 @@
           </a:p>
         </p:txBody>
       </p:sp>
-      <mc:AlternateContent xmlns:mc="http://schemas.openxmlformats.org/markup-compatibility/2006">
-        <mc:Choice xmlns:a14="http://schemas.microsoft.com/office/drawing/2010/main" Requires="a14">
+      <mc:AlternateContent xmlns:mc="http://schemas.openxmlformats.org/markup-compatibility/2006" xmlns:a14="http://schemas.microsoft.com/office/drawing/2010/main">
+        <mc:Choice Requires="a14">
           <p:sp>
             <p:nvSpPr>
               <p:cNvPr id="3" name="Content Placeholder 2">
@@ -32037,7 +32290,7 @@
             </p:txBody>
           </p:sp>
         </mc:Choice>
-        <mc:Fallback>
+        <mc:Fallback xmlns="">
           <p:sp>
             <p:nvSpPr>
               <p:cNvPr id="3" name="Content Placeholder 2">
@@ -32852,8 +33105,8 @@
           </a:p>
         </p:txBody>
       </p:sp>
-      <mc:AlternateContent xmlns:mc="http://schemas.openxmlformats.org/markup-compatibility/2006">
-        <mc:Choice xmlns:a14="http://schemas.microsoft.com/office/drawing/2010/main" Requires="a14">
+      <mc:AlternateContent xmlns:mc="http://schemas.openxmlformats.org/markup-compatibility/2006" xmlns:a14="http://schemas.microsoft.com/office/drawing/2010/main">
+        <mc:Choice Requires="a14">
           <p:sp>
             <p:nvSpPr>
               <p:cNvPr id="3" name="Content Placeholder 2">
@@ -32882,7 +33135,6 @@
               </a:bodyPr>
               <a:lstStyle/>
               <a:p>
-                <a:pPr/>
                 <a14:m>
                   <m:oMath xmlns:m="http://schemas.openxmlformats.org/officeDocument/2006/math">
                     <m:r>
@@ -33046,7 +33298,7 @@
             </p:txBody>
           </p:sp>
         </mc:Choice>
-        <mc:Fallback>
+        <mc:Fallback xmlns="">
           <p:sp>
             <p:nvSpPr>
               <p:cNvPr id="3" name="Content Placeholder 2">
@@ -33861,8 +34113,8 @@
           </a:p>
         </p:txBody>
       </p:sp>
-      <mc:AlternateContent xmlns:mc="http://schemas.openxmlformats.org/markup-compatibility/2006">
-        <mc:Choice xmlns:a14="http://schemas.microsoft.com/office/drawing/2010/main" Requires="a14">
+      <mc:AlternateContent xmlns:mc="http://schemas.openxmlformats.org/markup-compatibility/2006" xmlns:a14="http://schemas.microsoft.com/office/drawing/2010/main">
+        <mc:Choice Requires="a14">
           <p:sp>
             <p:nvSpPr>
               <p:cNvPr id="3" name="Content Placeholder 2">
@@ -33956,7 +34208,7 @@
             </p:txBody>
           </p:sp>
         </mc:Choice>
-        <mc:Fallback>
+        <mc:Fallback xmlns="">
           <p:sp>
             <p:nvSpPr>
               <p:cNvPr id="3" name="Content Placeholder 2">
@@ -34771,8 +35023,8 @@
           </a:p>
         </p:txBody>
       </p:sp>
-      <mc:AlternateContent xmlns:mc="http://schemas.openxmlformats.org/markup-compatibility/2006">
-        <mc:Choice xmlns:a14="http://schemas.microsoft.com/office/drawing/2010/main" Requires="a14">
+      <mc:AlternateContent xmlns:mc="http://schemas.openxmlformats.org/markup-compatibility/2006" xmlns:a14="http://schemas.microsoft.com/office/drawing/2010/main">
+        <mc:Choice Requires="a14">
           <p:sp>
             <p:nvSpPr>
               <p:cNvPr id="3" name="Content Placeholder 2">
@@ -35019,7 +35271,7 @@
             </p:txBody>
           </p:sp>
         </mc:Choice>
-        <mc:Fallback>
+        <mc:Fallback xmlns="">
           <p:sp>
             <p:nvSpPr>
               <p:cNvPr id="3" name="Content Placeholder 2">
@@ -36620,8 +36872,8 @@
           </a:p>
         </p:txBody>
       </p:sp>
-      <mc:AlternateContent xmlns:mc="http://schemas.openxmlformats.org/markup-compatibility/2006">
-        <mc:Choice xmlns:a14="http://schemas.microsoft.com/office/drawing/2010/main" Requires="a14">
+      <mc:AlternateContent xmlns:mc="http://schemas.openxmlformats.org/markup-compatibility/2006" xmlns:a14="http://schemas.microsoft.com/office/drawing/2010/main">
+        <mc:Choice Requires="a14">
           <p:sp>
             <p:nvSpPr>
               <p:cNvPr id="3" name="Content Placeholder 2">
@@ -37066,7 +37318,7 @@
             </p:txBody>
           </p:sp>
         </mc:Choice>
-        <mc:Fallback>
+        <mc:Fallback xmlns="">
           <p:sp>
             <p:nvSpPr>
               <p:cNvPr id="3" name="Content Placeholder 2">
@@ -37739,1637 +37991,6 @@
 </file>
 
 <file path=ppt/slides/slide42.xml><?xml version="1.0" encoding="utf-8"?>
-<p:sld xmlns:a="http://schemas.openxmlformats.org/drawingml/2006/main" xmlns:r="http://schemas.openxmlformats.org/officeDocument/2006/relationships" xmlns:p="http://schemas.openxmlformats.org/presentationml/2006/main" show="0">
-  <p:cSld>
-    <p:spTree>
-      <p:nvGrpSpPr>
-        <p:cNvPr id="1" name=""/>
-        <p:cNvGrpSpPr/>
-        <p:nvPr/>
-      </p:nvGrpSpPr>
-      <p:grpSpPr>
-        <a:xfrm>
-          <a:off x="0" y="0"/>
-          <a:ext cx="0" cy="0"/>
-          <a:chOff x="0" y="0"/>
-          <a:chExt cx="0" cy="0"/>
-        </a:xfrm>
-      </p:grpSpPr>
-      <p:sp>
-        <p:nvSpPr>
-          <p:cNvPr id="2" name="Title 1">
-            <a:extLst>
-              <a:ext uri="{FF2B5EF4-FFF2-40B4-BE49-F238E27FC236}">
-                <a16:creationId xmlns:a16="http://schemas.microsoft.com/office/drawing/2014/main" id="{65A0C316-21F3-466B-B8F9-C52B9E773454}"/>
-              </a:ext>
-            </a:extLst>
-          </p:cNvPr>
-          <p:cNvSpPr>
-            <a:spLocks noGrp="1"/>
-          </p:cNvSpPr>
-          <p:nvPr>
-            <p:ph type="title"/>
-          </p:nvPr>
-        </p:nvSpPr>
-        <p:spPr/>
-        <p:txBody>
-          <a:bodyPr/>
-          <a:lstStyle/>
-          <a:p>
-            <a:r>
-              <a:rPr lang="en-US" dirty="0"/>
-              <a:t>Basics of the Sampling Distribution </a:t>
-            </a:r>
-          </a:p>
-        </p:txBody>
-      </p:sp>
-      <p:sp>
-        <p:nvSpPr>
-          <p:cNvPr id="7" name="Content Placeholder 2">
-            <a:extLst>
-              <a:ext uri="{FF2B5EF4-FFF2-40B4-BE49-F238E27FC236}">
-                <a16:creationId xmlns:a16="http://schemas.microsoft.com/office/drawing/2014/main" id="{B569F54E-7D03-496D-82C8-6A4A05E804EA}"/>
-              </a:ext>
-            </a:extLst>
-          </p:cNvPr>
-          <p:cNvSpPr>
-            <a:spLocks noGrp="1"/>
-          </p:cNvSpPr>
-          <p:nvPr/>
-        </p:nvSpPr>
-        <p:spPr bwMode="auto">
-          <a:xfrm>
-            <a:off x="1664970" y="1646555"/>
-            <a:ext cx="4343400" cy="274320"/>
-          </a:xfrm>
-          <a:prstGeom prst="rect">
-            <a:avLst/>
-          </a:prstGeom>
-          <a:noFill/>
-          <a:ln w="9525">
-            <a:noFill/>
-            <a:miter lim="800000"/>
-            <a:headEnd/>
-            <a:tailEnd/>
-          </a:ln>
-        </p:spPr>
-        <p:txBody>
-          <a:bodyPr vert="horz" wrap="square" lIns="91440" tIns="45720" rIns="91440" bIns="45720" numCol="1" anchor="t" anchorCtr="0" compatLnSpc="1">
-            <a:prstTxWarp prst="textNoShape">
-              <a:avLst/>
-            </a:prstTxWarp>
-          </a:bodyPr>
-          <a:lstStyle>
-            <a:lvl1pPr marL="342900" indent="-342900" algn="l" rtl="0" eaLnBrk="1" fontAlgn="base" hangingPunct="1">
-              <a:spcBef>
-                <a:spcPts val="600"/>
-              </a:spcBef>
-              <a:spcAft>
-                <a:spcPts val="600"/>
-              </a:spcAft>
-              <a:buChar char="•"/>
-              <a:defRPr sz="3600">
-                <a:solidFill>
-                  <a:schemeClr val="tx1"/>
-                </a:solidFill>
-                <a:latin typeface="+mj-lt"/>
-                <a:ea typeface="ＭＳ Ｐゴシック" pitchFamily="-105" charset="-128"/>
-                <a:cs typeface="Times New Roman MT Std"/>
-              </a:defRPr>
-            </a:lvl1pPr>
-            <a:lvl2pPr marL="804672" indent="-347472" algn="l" rtl="0" eaLnBrk="1" fontAlgn="base" hangingPunct="1">
-              <a:spcBef>
-                <a:spcPts val="600"/>
-              </a:spcBef>
-              <a:spcAft>
-                <a:spcPts val="600"/>
-              </a:spcAft>
-              <a:buFont typeface="Arial" panose="020B0604020202020204" pitchFamily="34" charset="0"/>
-              <a:buChar char="•"/>
-              <a:defRPr sz="3200">
-                <a:solidFill>
-                  <a:schemeClr val="tx1"/>
-                </a:solidFill>
-                <a:latin typeface="+mj-lt"/>
-                <a:ea typeface="ＭＳ Ｐゴシック" charset="-128"/>
-                <a:cs typeface="Times New Roman MT Std"/>
-              </a:defRPr>
-            </a:lvl2pPr>
-            <a:lvl3pPr marL="1188720" indent="-274320" algn="l" rtl="0" eaLnBrk="1" fontAlgn="base" hangingPunct="1">
-              <a:spcBef>
-                <a:spcPts val="600"/>
-              </a:spcBef>
-              <a:spcAft>
-                <a:spcPts val="600"/>
-              </a:spcAft>
-              <a:buChar char="•"/>
-              <a:defRPr sz="3000">
-                <a:solidFill>
-                  <a:schemeClr val="tx1"/>
-                </a:solidFill>
-                <a:latin typeface="+mj-lt"/>
-                <a:ea typeface="ＭＳ Ｐゴシック" charset="-128"/>
-                <a:cs typeface="Times New Roman MT Std"/>
-              </a:defRPr>
-            </a:lvl3pPr>
-            <a:lvl4pPr marL="1645920" indent="-274320" algn="l" rtl="0" eaLnBrk="1" fontAlgn="base" hangingPunct="1">
-              <a:spcBef>
-                <a:spcPts val="600"/>
-              </a:spcBef>
-              <a:spcAft>
-                <a:spcPts val="600"/>
-              </a:spcAft>
-              <a:buFont typeface="Arial" panose="020B0604020202020204" pitchFamily="34" charset="0"/>
-              <a:buChar char="•"/>
-              <a:defRPr sz="2800">
-                <a:solidFill>
-                  <a:schemeClr val="tx1"/>
-                </a:solidFill>
-                <a:latin typeface="+mj-lt"/>
-                <a:ea typeface="ＭＳ Ｐゴシック" charset="-128"/>
-                <a:cs typeface="Times New Roman MT Std"/>
-              </a:defRPr>
-            </a:lvl4pPr>
-            <a:lvl5pPr marL="2057400" indent="-228600" algn="l" rtl="0" eaLnBrk="1" fontAlgn="base" hangingPunct="1">
-              <a:spcBef>
-                <a:spcPts val="600"/>
-              </a:spcBef>
-              <a:spcAft>
-                <a:spcPts val="600"/>
-              </a:spcAft>
-              <a:buFont typeface="Arial" panose="020B0604020202020204" pitchFamily="34" charset="0"/>
-              <a:buChar char="•"/>
-              <a:defRPr sz="2400">
-                <a:solidFill>
-                  <a:schemeClr val="tx1"/>
-                </a:solidFill>
-                <a:latin typeface="+mj-lt"/>
-                <a:ea typeface="ＭＳ Ｐゴシック" charset="-128"/>
-                <a:cs typeface="Times New Roman MT Std"/>
-              </a:defRPr>
-            </a:lvl5pPr>
-            <a:lvl6pPr marL="2514600" indent="-228600" algn="l" rtl="0" eaLnBrk="1" fontAlgn="base" hangingPunct="1">
-              <a:spcBef>
-                <a:spcPct val="20000"/>
-              </a:spcBef>
-              <a:spcAft>
-                <a:spcPct val="0"/>
-              </a:spcAft>
-              <a:buChar char="»"/>
-              <a:defRPr sz="1600">
-                <a:solidFill>
-                  <a:schemeClr val="tx1"/>
-                </a:solidFill>
-                <a:latin typeface="+mn-lt"/>
-                <a:ea typeface="ＭＳ Ｐゴシック" charset="-128"/>
-              </a:defRPr>
-            </a:lvl6pPr>
-            <a:lvl7pPr marL="2971800" indent="-228600" algn="l" rtl="0" eaLnBrk="1" fontAlgn="base" hangingPunct="1">
-              <a:spcBef>
-                <a:spcPct val="20000"/>
-              </a:spcBef>
-              <a:spcAft>
-                <a:spcPct val="0"/>
-              </a:spcAft>
-              <a:buChar char="»"/>
-              <a:defRPr sz="1600">
-                <a:solidFill>
-                  <a:schemeClr val="tx1"/>
-                </a:solidFill>
-                <a:latin typeface="+mn-lt"/>
-                <a:ea typeface="ＭＳ Ｐゴシック" charset="-128"/>
-              </a:defRPr>
-            </a:lvl7pPr>
-            <a:lvl8pPr marL="3429000" indent="-228600" algn="l" rtl="0" eaLnBrk="1" fontAlgn="base" hangingPunct="1">
-              <a:spcBef>
-                <a:spcPct val="20000"/>
-              </a:spcBef>
-              <a:spcAft>
-                <a:spcPct val="0"/>
-              </a:spcAft>
-              <a:buChar char="»"/>
-              <a:defRPr sz="1600">
-                <a:solidFill>
-                  <a:schemeClr val="tx1"/>
-                </a:solidFill>
-                <a:latin typeface="+mn-lt"/>
-                <a:ea typeface="ＭＳ Ｐゴシック" charset="-128"/>
-              </a:defRPr>
-            </a:lvl8pPr>
-            <a:lvl9pPr marL="3886200" indent="-228600" algn="l" rtl="0" eaLnBrk="1" fontAlgn="base" hangingPunct="1">
-              <a:spcBef>
-                <a:spcPct val="20000"/>
-              </a:spcBef>
-              <a:spcAft>
-                <a:spcPct val="0"/>
-              </a:spcAft>
-              <a:buChar char="»"/>
-              <a:defRPr sz="1600">
-                <a:solidFill>
-                  <a:schemeClr val="tx1"/>
-                </a:solidFill>
-                <a:latin typeface="+mn-lt"/>
-                <a:ea typeface="ＭＳ Ｐゴシック" charset="-128"/>
-              </a:defRPr>
-            </a:lvl9pPr>
-          </a:lstStyle>
-          <a:p>
-            <a:pPr marL="0" indent="0">
-              <a:buNone/>
-            </a:pPr>
-            <a:r>
-              <a:rPr lang="en-US" sz="1600" b="1" dirty="0"/>
-              <a:t>EXHIBIT 14A.1 </a:t>
-            </a:r>
-            <a:r>
-              <a:rPr lang="en-US" sz="1600" dirty="0"/>
-              <a:t> Population</a:t>
-            </a:r>
-            <a:endParaRPr lang="el-GR" sz="1600" b="1" dirty="0">
-              <a:cs typeface="Arial" pitchFamily="34" charset="0"/>
-            </a:endParaRPr>
-          </a:p>
-        </p:txBody>
-      </p:sp>
-      <p:pic>
-        <p:nvPicPr>
-          <p:cNvPr id="8" name="table">
-            <a:extLst>
-              <a:ext uri="{FF2B5EF4-FFF2-40B4-BE49-F238E27FC236}">
-                <a16:creationId xmlns:a16="http://schemas.microsoft.com/office/drawing/2014/main" id="{F87DDC7B-DD4C-4B3F-8F39-1BE9DDD648B1}"/>
-              </a:ext>
-            </a:extLst>
-          </p:cNvPr>
-          <p:cNvPicPr>
-            <a:picLocks noChangeAspect="1"/>
-          </p:cNvPicPr>
-          <p:nvPr/>
-        </p:nvPicPr>
-        <p:blipFill>
-          <a:blip r:embed="rId2"/>
-          <a:stretch>
-            <a:fillRect/>
-          </a:stretch>
-        </p:blipFill>
-        <p:spPr>
-          <a:xfrm>
-            <a:off x="1664970" y="2073275"/>
-            <a:ext cx="4572000" cy="4419600"/>
-          </a:xfrm>
-          <a:prstGeom prst="rect">
-            <a:avLst/>
-          </a:prstGeom>
-        </p:spPr>
-      </p:pic>
-      <p:sp>
-        <p:nvSpPr>
-          <p:cNvPr id="9" name="Content Placeholder 4">
-            <a:extLst>
-              <a:ext uri="{FF2B5EF4-FFF2-40B4-BE49-F238E27FC236}">
-                <a16:creationId xmlns:a16="http://schemas.microsoft.com/office/drawing/2014/main" id="{F4DEB418-6A48-47BD-A15B-08556BDF2DCA}"/>
-              </a:ext>
-            </a:extLst>
-          </p:cNvPr>
-          <p:cNvSpPr>
-            <a:spLocks noGrp="1"/>
-          </p:cNvSpPr>
-          <p:nvPr/>
-        </p:nvSpPr>
-        <p:spPr bwMode="auto">
-          <a:xfrm>
-            <a:off x="6541770" y="2835275"/>
-            <a:ext cx="3048000" cy="1600200"/>
-          </a:xfrm>
-          <a:prstGeom prst="rect">
-            <a:avLst/>
-          </a:prstGeom>
-          <a:noFill/>
-          <a:ln w="9525">
-            <a:noFill/>
-            <a:miter lim="800000"/>
-            <a:headEnd/>
-            <a:tailEnd/>
-          </a:ln>
-        </p:spPr>
-        <p:txBody>
-          <a:bodyPr vert="horz" wrap="square" lIns="91440" tIns="45720" rIns="91440" bIns="45720" numCol="1" anchor="t" anchorCtr="0" compatLnSpc="1">
-            <a:prstTxWarp prst="textNoShape">
-              <a:avLst/>
-            </a:prstTxWarp>
-          </a:bodyPr>
-          <a:lstStyle>
-            <a:lvl1pPr marL="342900" indent="-342900" algn="l" rtl="0" eaLnBrk="1" fontAlgn="base" hangingPunct="1">
-              <a:spcBef>
-                <a:spcPts val="600"/>
-              </a:spcBef>
-              <a:spcAft>
-                <a:spcPts val="600"/>
-              </a:spcAft>
-              <a:buChar char="•"/>
-              <a:defRPr sz="3600">
-                <a:solidFill>
-                  <a:schemeClr val="tx1"/>
-                </a:solidFill>
-                <a:latin typeface="+mj-lt"/>
-                <a:ea typeface="ＭＳ Ｐゴシック" pitchFamily="-105" charset="-128"/>
-                <a:cs typeface="Times New Roman MT Std"/>
-              </a:defRPr>
-            </a:lvl1pPr>
-            <a:lvl2pPr marL="804672" indent="-347472" algn="l" rtl="0" eaLnBrk="1" fontAlgn="base" hangingPunct="1">
-              <a:spcBef>
-                <a:spcPts val="600"/>
-              </a:spcBef>
-              <a:spcAft>
-                <a:spcPts val="600"/>
-              </a:spcAft>
-              <a:buFont typeface="Arial" panose="020B0604020202020204" pitchFamily="34" charset="0"/>
-              <a:buChar char="•"/>
-              <a:defRPr sz="3200">
-                <a:solidFill>
-                  <a:schemeClr val="tx1"/>
-                </a:solidFill>
-                <a:latin typeface="+mj-lt"/>
-                <a:ea typeface="ＭＳ Ｐゴシック" charset="-128"/>
-                <a:cs typeface="Times New Roman MT Std"/>
-              </a:defRPr>
-            </a:lvl2pPr>
-            <a:lvl3pPr marL="1188720" indent="-274320" algn="l" rtl="0" eaLnBrk="1" fontAlgn="base" hangingPunct="1">
-              <a:spcBef>
-                <a:spcPts val="600"/>
-              </a:spcBef>
-              <a:spcAft>
-                <a:spcPts val="600"/>
-              </a:spcAft>
-              <a:buChar char="•"/>
-              <a:defRPr sz="3000">
-                <a:solidFill>
-                  <a:schemeClr val="tx1"/>
-                </a:solidFill>
-                <a:latin typeface="+mj-lt"/>
-                <a:ea typeface="ＭＳ Ｐゴシック" charset="-128"/>
-                <a:cs typeface="Times New Roman MT Std"/>
-              </a:defRPr>
-            </a:lvl3pPr>
-            <a:lvl4pPr marL="1645920" indent="-274320" algn="l" rtl="0" eaLnBrk="1" fontAlgn="base" hangingPunct="1">
-              <a:spcBef>
-                <a:spcPts val="600"/>
-              </a:spcBef>
-              <a:spcAft>
-                <a:spcPts val="600"/>
-              </a:spcAft>
-              <a:buFont typeface="Arial" panose="020B0604020202020204" pitchFamily="34" charset="0"/>
-              <a:buChar char="•"/>
-              <a:defRPr sz="2800">
-                <a:solidFill>
-                  <a:schemeClr val="tx1"/>
-                </a:solidFill>
-                <a:latin typeface="+mj-lt"/>
-                <a:ea typeface="ＭＳ Ｐゴシック" charset="-128"/>
-                <a:cs typeface="Times New Roman MT Std"/>
-              </a:defRPr>
-            </a:lvl4pPr>
-            <a:lvl5pPr marL="2057400" indent="-228600" algn="l" rtl="0" eaLnBrk="1" fontAlgn="base" hangingPunct="1">
-              <a:spcBef>
-                <a:spcPts val="600"/>
-              </a:spcBef>
-              <a:spcAft>
-                <a:spcPts val="600"/>
-              </a:spcAft>
-              <a:buFont typeface="Arial" panose="020B0604020202020204" pitchFamily="34" charset="0"/>
-              <a:buChar char="•"/>
-              <a:defRPr sz="2400">
-                <a:solidFill>
-                  <a:schemeClr val="tx1"/>
-                </a:solidFill>
-                <a:latin typeface="+mj-lt"/>
-                <a:ea typeface="ＭＳ Ｐゴシック" charset="-128"/>
-                <a:cs typeface="Times New Roman MT Std"/>
-              </a:defRPr>
-            </a:lvl5pPr>
-            <a:lvl6pPr marL="2514600" indent="-228600" algn="l" rtl="0" eaLnBrk="1" fontAlgn="base" hangingPunct="1">
-              <a:spcBef>
-                <a:spcPct val="20000"/>
-              </a:spcBef>
-              <a:spcAft>
-                <a:spcPct val="0"/>
-              </a:spcAft>
-              <a:buChar char="»"/>
-              <a:defRPr sz="1600">
-                <a:solidFill>
-                  <a:schemeClr val="tx1"/>
-                </a:solidFill>
-                <a:latin typeface="+mn-lt"/>
-                <a:ea typeface="ＭＳ Ｐゴシック" charset="-128"/>
-              </a:defRPr>
-            </a:lvl6pPr>
-            <a:lvl7pPr marL="2971800" indent="-228600" algn="l" rtl="0" eaLnBrk="1" fontAlgn="base" hangingPunct="1">
-              <a:spcBef>
-                <a:spcPct val="20000"/>
-              </a:spcBef>
-              <a:spcAft>
-                <a:spcPct val="0"/>
-              </a:spcAft>
-              <a:buChar char="»"/>
-              <a:defRPr sz="1600">
-                <a:solidFill>
-                  <a:schemeClr val="tx1"/>
-                </a:solidFill>
-                <a:latin typeface="+mn-lt"/>
-                <a:ea typeface="ＭＳ Ｐゴシック" charset="-128"/>
-              </a:defRPr>
-            </a:lvl7pPr>
-            <a:lvl8pPr marL="3429000" indent="-228600" algn="l" rtl="0" eaLnBrk="1" fontAlgn="base" hangingPunct="1">
-              <a:spcBef>
-                <a:spcPct val="20000"/>
-              </a:spcBef>
-              <a:spcAft>
-                <a:spcPct val="0"/>
-              </a:spcAft>
-              <a:buChar char="»"/>
-              <a:defRPr sz="1600">
-                <a:solidFill>
-                  <a:schemeClr val="tx1"/>
-                </a:solidFill>
-                <a:latin typeface="+mn-lt"/>
-                <a:ea typeface="ＭＳ Ｐゴシック" charset="-128"/>
-              </a:defRPr>
-            </a:lvl8pPr>
-            <a:lvl9pPr marL="3886200" indent="-228600" algn="l" rtl="0" eaLnBrk="1" fontAlgn="base" hangingPunct="1">
-              <a:spcBef>
-                <a:spcPct val="20000"/>
-              </a:spcBef>
-              <a:spcAft>
-                <a:spcPct val="0"/>
-              </a:spcAft>
-              <a:buChar char="»"/>
-              <a:defRPr sz="1600">
-                <a:solidFill>
-                  <a:schemeClr val="tx1"/>
-                </a:solidFill>
-                <a:latin typeface="+mn-lt"/>
-                <a:ea typeface="ＭＳ Ｐゴシック" charset="-128"/>
-              </a:defRPr>
-            </a:lvl9pPr>
-          </a:lstStyle>
-          <a:p>
-            <a:pPr marL="0" indent="0" algn="ctr">
-              <a:buNone/>
-            </a:pPr>
-            <a:r>
-              <a:rPr lang="en-US" sz="3200" b="1" dirty="0"/>
-              <a:t>Population Mean (</a:t>
-            </a:r>
-            <a:r>
-              <a:rPr lang="el-GR" sz="3200" b="1" i="1" dirty="0">
-                <a:cs typeface="Arial" pitchFamily="34" charset="0"/>
-              </a:rPr>
-              <a:t>μ</a:t>
-            </a:r>
-            <a:r>
-              <a:rPr lang="en-US" sz="3200" b="1" dirty="0">
-                <a:cs typeface="Arial" pitchFamily="34" charset="0"/>
-              </a:rPr>
-              <a:t>) = $9400</a:t>
-            </a:r>
-            <a:endParaRPr lang="el-GR" sz="3200" b="1" dirty="0">
-              <a:cs typeface="Arial" pitchFamily="34" charset="0"/>
-            </a:endParaRPr>
-          </a:p>
-        </p:txBody>
-      </p:sp>
-    </p:spTree>
-    <p:extLst>
-      <p:ext uri="{BB962C8B-B14F-4D97-AF65-F5344CB8AC3E}">
-        <p14:creationId xmlns:p14="http://schemas.microsoft.com/office/powerpoint/2010/main" val="1567876483"/>
-      </p:ext>
-    </p:extLst>
-  </p:cSld>
-  <p:clrMapOvr>
-    <a:masterClrMapping/>
-  </p:clrMapOvr>
-</p:sld>
-</file>
-
-<file path=ppt/slides/slide43.xml><?xml version="1.0" encoding="utf-8"?>
-<p:sld xmlns:a="http://schemas.openxmlformats.org/drawingml/2006/main" xmlns:r="http://schemas.openxmlformats.org/officeDocument/2006/relationships" xmlns:p="http://schemas.openxmlformats.org/presentationml/2006/main">
-  <p:cSld>
-    <p:bg>
-      <p:bgPr>
-        <a:solidFill>
-          <a:schemeClr val="bg1"/>
-        </a:solidFill>
-        <a:effectLst/>
-      </p:bgPr>
-    </p:bg>
-    <p:spTree>
-      <p:nvGrpSpPr>
-        <p:cNvPr id="1" name=""/>
-        <p:cNvGrpSpPr/>
-        <p:nvPr/>
-      </p:nvGrpSpPr>
-      <p:grpSpPr>
-        <a:xfrm>
-          <a:off x="0" y="0"/>
-          <a:ext cx="0" cy="0"/>
-          <a:chOff x="0" y="0"/>
-          <a:chExt cx="0" cy="0"/>
-        </a:xfrm>
-      </p:grpSpPr>
-      <p:sp useBgFill="1">
-        <p:nvSpPr>
-          <p:cNvPr id="9" name="Rectangle 8">
-            <a:extLst>
-              <a:ext uri="{FF2B5EF4-FFF2-40B4-BE49-F238E27FC236}">
-                <a16:creationId xmlns:a16="http://schemas.microsoft.com/office/drawing/2014/main" id="{7B831B6F-405A-4B47-B9BB-5CA88F285844}"/>
-              </a:ext>
-              <a:ext uri="{C183D7F6-B498-43B3-948B-1728B52AA6E4}">
-                <adec:decorative xmlns:adec="http://schemas.microsoft.com/office/drawing/2017/decorative" val="1"/>
-              </a:ext>
-            </a:extLst>
-          </p:cNvPr>
-          <p:cNvSpPr>
-            <a:spLocks noGrp="1" noRot="1" noChangeAspect="1" noMove="1" noResize="1" noEditPoints="1" noAdjustHandles="1" noChangeArrowheads="1" noChangeShapeType="1" noTextEdit="1"/>
-          </p:cNvSpPr>
-          <p:nvPr>
-            <p:extLst>
-              <p:ext uri="{386F3935-93C4-4BCD-93E2-E3B085C9AB24}">
-                <p16:designElem xmlns:p16="http://schemas.microsoft.com/office/powerpoint/2015/main" val="1"/>
-              </p:ext>
-            </p:extLst>
-          </p:nvPr>
-        </p:nvSpPr>
-        <p:spPr>
-          <a:xfrm>
-            <a:off x="0" y="0"/>
-            <a:ext cx="12192000" cy="6858000"/>
-          </a:xfrm>
-          <a:prstGeom prst="rect">
-            <a:avLst/>
-          </a:prstGeom>
-          <a:ln>
-            <a:noFill/>
-          </a:ln>
-        </p:spPr>
-        <p:style>
-          <a:lnRef idx="2">
-            <a:schemeClr val="accent1">
-              <a:shade val="50000"/>
-            </a:schemeClr>
-          </a:lnRef>
-          <a:fillRef idx="1">
-            <a:schemeClr val="accent1"/>
-          </a:fillRef>
-          <a:effectRef idx="0">
-            <a:schemeClr val="accent1"/>
-          </a:effectRef>
-          <a:fontRef idx="minor">
-            <a:schemeClr val="lt1"/>
-          </a:fontRef>
-        </p:style>
-        <p:txBody>
-          <a:bodyPr rtlCol="0" anchor="ctr"/>
-          <a:lstStyle/>
-          <a:p>
-            <a:pPr algn="ctr"/>
-            <a:endParaRPr lang="en-US"/>
-          </a:p>
-        </p:txBody>
-      </p:sp>
-      <p:sp>
-        <p:nvSpPr>
-          <p:cNvPr id="2" name="Title 1">
-            <a:extLst>
-              <a:ext uri="{FF2B5EF4-FFF2-40B4-BE49-F238E27FC236}">
-                <a16:creationId xmlns:a16="http://schemas.microsoft.com/office/drawing/2014/main" id="{D591F0CC-8FD4-4E27-8590-34F71D1E2A44}"/>
-              </a:ext>
-            </a:extLst>
-          </p:cNvPr>
-          <p:cNvSpPr>
-            <a:spLocks noGrp="1"/>
-          </p:cNvSpPr>
-          <p:nvPr>
-            <p:ph type="title"/>
-          </p:nvPr>
-        </p:nvSpPr>
-        <p:spPr>
-          <a:xfrm>
-            <a:off x="6739128" y="638089"/>
-            <a:ext cx="4818888" cy="1476801"/>
-          </a:xfrm>
-        </p:spPr>
-        <p:txBody>
-          <a:bodyPr anchor="b">
-            <a:normAutofit/>
-          </a:bodyPr>
-          <a:lstStyle/>
-          <a:p>
-            <a:r>
-              <a:rPr lang="en-US" sz="4200"/>
-              <a:t>Basics of the Sampling Distribution </a:t>
-            </a:r>
-          </a:p>
-        </p:txBody>
-      </p:sp>
-      <p:pic>
-        <p:nvPicPr>
-          <p:cNvPr id="4" name="Picture 3" descr="&quot;A flowchart shows several possible samples and their respective errors when estimating the population mean. &#10;The central idea, “Parameter (Population mean income) = 9,400 dollars,” branches out into the following five possible samples and errors: &#10;Sample = 25, Elements = BH, Statistic (sample mean income) = 7,200 dollars, Error: (negative) 2,200 dollars&#10;Sample = 62, Elements = DL, Statistic (sample mean income) = 8,400 dollars, Error: (negative) 1,000 dollars&#10;Sample = 108, Elements = GP, Statistic (sample mean income) = 9,800 dollars, Error: 400 dollars&#10;Sample = 147, Elements = KM, Statistic (sample mean income) = 10,000 dollars, Error: 600 dollars&#10;Sample = 189, Elements = RT, Statistic (sample mean income) = 12,800 dollars, Error: 3,400 dollars&quot;">
-            <a:extLst>
-              <a:ext uri="{FF2B5EF4-FFF2-40B4-BE49-F238E27FC236}">
-                <a16:creationId xmlns:a16="http://schemas.microsoft.com/office/drawing/2014/main" id="{7537AD81-80D0-4A39-B86D-0E7AF72034F2}"/>
-              </a:ext>
-            </a:extLst>
-          </p:cNvPr>
-          <p:cNvPicPr>
-            <a:picLocks noGrp="1" noChangeAspect="1" noChangeArrowheads="1"/>
-          </p:cNvPicPr>
-          <p:nvPr/>
-        </p:nvPicPr>
-        <p:blipFill>
-          <a:blip r:embed="rId3">
-            <a:extLst>
-              <a:ext uri="{28A0092B-C50C-407E-A947-70E740481C1C}">
-                <a14:useLocalDpi xmlns:a14="http://schemas.microsoft.com/office/drawing/2010/main" val="0"/>
-              </a:ext>
-            </a:extLst>
-          </a:blip>
-          <a:stretch>
-            <a:fillRect/>
-          </a:stretch>
-        </p:blipFill>
-        <p:spPr bwMode="auto">
-          <a:xfrm>
-            <a:off x="630936" y="1197647"/>
-            <a:ext cx="5458968" cy="4462706"/>
-          </a:xfrm>
-          <a:prstGeom prst="rect">
-            <a:avLst/>
-          </a:prstGeom>
-          <a:noFill/>
-          <a:extLst>
-            <a:ext uri="{909E8E84-426E-40DD-AFC4-6F175D3DCCD1}">
-              <a14:hiddenFill xmlns:a14="http://schemas.microsoft.com/office/drawing/2010/main">
-                <a:solidFill>
-                  <a:schemeClr val="accent1"/>
-                </a:solidFill>
-              </a14:hiddenFill>
-            </a:ext>
-            <a:ext uri="{91240B29-F687-4F45-9708-019B960494DF}">
-              <a14:hiddenLine xmlns:a14="http://schemas.microsoft.com/office/drawing/2010/main" w="9525">
-                <a:solidFill>
-                  <a:schemeClr val="tx1"/>
-                </a:solidFill>
-                <a:miter lim="800000"/>
-                <a:headEnd/>
-                <a:tailEnd/>
-              </a14:hiddenLine>
-            </a:ext>
-          </a:extLst>
-        </p:spPr>
-      </p:pic>
-      <p:sp>
-        <p:nvSpPr>
-          <p:cNvPr id="11" name="sketch line">
-            <a:extLst>
-              <a:ext uri="{FF2B5EF4-FFF2-40B4-BE49-F238E27FC236}">
-                <a16:creationId xmlns:a16="http://schemas.microsoft.com/office/drawing/2014/main" id="{953EE71A-6488-4203-A7C4-77102FD0DCCA}"/>
-              </a:ext>
-              <a:ext uri="{C183D7F6-B498-43B3-948B-1728B52AA6E4}">
-                <adec:decorative xmlns:adec="http://schemas.microsoft.com/office/drawing/2017/decorative" val="1"/>
-              </a:ext>
-            </a:extLst>
-          </p:cNvPr>
-          <p:cNvSpPr>
-            <a:spLocks noGrp="1" noRot="1" noChangeAspect="1" noMove="1" noResize="1" noEditPoints="1" noAdjustHandles="1" noChangeArrowheads="1" noChangeShapeType="1" noTextEdit="1"/>
-          </p:cNvSpPr>
-          <p:nvPr>
-            <p:extLst>
-              <p:ext uri="{386F3935-93C4-4BCD-93E2-E3B085C9AB24}">
-                <p16:designElem xmlns:p16="http://schemas.microsoft.com/office/powerpoint/2015/main" val="1"/>
-              </p:ext>
-            </p:extLst>
-          </p:nvPr>
-        </p:nvSpPr>
-        <p:spPr>
-          <a:xfrm>
-            <a:off x="6739128" y="2372868"/>
-            <a:ext cx="3255095" cy="18288"/>
-          </a:xfrm>
-          <a:custGeom>
-            <a:avLst/>
-            <a:gdLst>
-              <a:gd name="connsiteX0" fmla="*/ 0 w 3255095"/>
-              <a:gd name="connsiteY0" fmla="*/ 0 h 18288"/>
-              <a:gd name="connsiteX1" fmla="*/ 618468 w 3255095"/>
-              <a:gd name="connsiteY1" fmla="*/ 0 h 18288"/>
-              <a:gd name="connsiteX2" fmla="*/ 1269487 w 3255095"/>
-              <a:gd name="connsiteY2" fmla="*/ 0 h 18288"/>
-              <a:gd name="connsiteX3" fmla="*/ 1953057 w 3255095"/>
-              <a:gd name="connsiteY3" fmla="*/ 0 h 18288"/>
-              <a:gd name="connsiteX4" fmla="*/ 2636627 w 3255095"/>
-              <a:gd name="connsiteY4" fmla="*/ 0 h 18288"/>
-              <a:gd name="connsiteX5" fmla="*/ 3255095 w 3255095"/>
-              <a:gd name="connsiteY5" fmla="*/ 0 h 18288"/>
-              <a:gd name="connsiteX6" fmla="*/ 3255095 w 3255095"/>
-              <a:gd name="connsiteY6" fmla="*/ 18288 h 18288"/>
-              <a:gd name="connsiteX7" fmla="*/ 2538974 w 3255095"/>
-              <a:gd name="connsiteY7" fmla="*/ 18288 h 18288"/>
-              <a:gd name="connsiteX8" fmla="*/ 1822853 w 3255095"/>
-              <a:gd name="connsiteY8" fmla="*/ 18288 h 18288"/>
-              <a:gd name="connsiteX9" fmla="*/ 1171834 w 3255095"/>
-              <a:gd name="connsiteY9" fmla="*/ 18288 h 18288"/>
-              <a:gd name="connsiteX10" fmla="*/ 0 w 3255095"/>
-              <a:gd name="connsiteY10" fmla="*/ 18288 h 18288"/>
-              <a:gd name="connsiteX11" fmla="*/ 0 w 3255095"/>
-              <a:gd name="connsiteY11" fmla="*/ 0 h 18288"/>
-            </a:gdLst>
-            <a:ahLst/>
-            <a:cxnLst>
-              <a:cxn ang="0">
-                <a:pos x="connsiteX0" y="connsiteY0"/>
-              </a:cxn>
-              <a:cxn ang="0">
-                <a:pos x="connsiteX1" y="connsiteY1"/>
-              </a:cxn>
-              <a:cxn ang="0">
-                <a:pos x="connsiteX2" y="connsiteY2"/>
-              </a:cxn>
-              <a:cxn ang="0">
-                <a:pos x="connsiteX3" y="connsiteY3"/>
-              </a:cxn>
-              <a:cxn ang="0">
-                <a:pos x="connsiteX4" y="connsiteY4"/>
-              </a:cxn>
-              <a:cxn ang="0">
-                <a:pos x="connsiteX5" y="connsiteY5"/>
-              </a:cxn>
-              <a:cxn ang="0">
-                <a:pos x="connsiteX6" y="connsiteY6"/>
-              </a:cxn>
-              <a:cxn ang="0">
-                <a:pos x="connsiteX7" y="connsiteY7"/>
-              </a:cxn>
-              <a:cxn ang="0">
-                <a:pos x="connsiteX8" y="connsiteY8"/>
-              </a:cxn>
-              <a:cxn ang="0">
-                <a:pos x="connsiteX9" y="connsiteY9"/>
-              </a:cxn>
-              <a:cxn ang="0">
-                <a:pos x="connsiteX10" y="connsiteY10"/>
-              </a:cxn>
-              <a:cxn ang="0">
-                <a:pos x="connsiteX11" y="connsiteY11"/>
-              </a:cxn>
-            </a:cxnLst>
-            <a:rect l="l" t="t" r="r" b="b"/>
-            <a:pathLst>
-              <a:path w="3255095" h="18288" fill="none" extrusionOk="0">
-                <a:moveTo>
-                  <a:pt x="0" y="0"/>
-                </a:moveTo>
-                <a:cubicBezTo>
-                  <a:pt x="240201" y="-22123"/>
-                  <a:pt x="462021" y="-19623"/>
-                  <a:pt x="618468" y="0"/>
-                </a:cubicBezTo>
-                <a:cubicBezTo>
-                  <a:pt x="774915" y="19623"/>
-                  <a:pt x="974734" y="2035"/>
-                  <a:pt x="1269487" y="0"/>
-                </a:cubicBezTo>
-                <a:cubicBezTo>
-                  <a:pt x="1564240" y="-2035"/>
-                  <a:pt x="1733579" y="10639"/>
-                  <a:pt x="1953057" y="0"/>
-                </a:cubicBezTo>
-                <a:cubicBezTo>
-                  <a:pt x="2172535" y="-10639"/>
-                  <a:pt x="2453962" y="14018"/>
-                  <a:pt x="2636627" y="0"/>
-                </a:cubicBezTo>
-                <a:cubicBezTo>
-                  <a:pt x="2819292" y="-14018"/>
-                  <a:pt x="3121375" y="5399"/>
-                  <a:pt x="3255095" y="0"/>
-                </a:cubicBezTo>
-                <a:cubicBezTo>
-                  <a:pt x="3254386" y="8157"/>
-                  <a:pt x="3254682" y="12125"/>
-                  <a:pt x="3255095" y="18288"/>
-                </a:cubicBezTo>
-                <a:cubicBezTo>
-                  <a:pt x="3088545" y="23203"/>
-                  <a:pt x="2687475" y="7419"/>
-                  <a:pt x="2538974" y="18288"/>
-                </a:cubicBezTo>
-                <a:cubicBezTo>
-                  <a:pt x="2390473" y="29157"/>
-                  <a:pt x="2137381" y="-8959"/>
-                  <a:pt x="1822853" y="18288"/>
-                </a:cubicBezTo>
-                <a:cubicBezTo>
-                  <a:pt x="1508325" y="45535"/>
-                  <a:pt x="1466437" y="20385"/>
-                  <a:pt x="1171834" y="18288"/>
-                </a:cubicBezTo>
-                <a:cubicBezTo>
-                  <a:pt x="877231" y="16191"/>
-                  <a:pt x="561097" y="37643"/>
-                  <a:pt x="0" y="18288"/>
-                </a:cubicBezTo>
-                <a:cubicBezTo>
-                  <a:pt x="-46" y="12483"/>
-                  <a:pt x="-203" y="6491"/>
-                  <a:pt x="0" y="0"/>
-                </a:cubicBezTo>
-                <a:close/>
-              </a:path>
-              <a:path w="3255095" h="18288" stroke="0" extrusionOk="0">
-                <a:moveTo>
-                  <a:pt x="0" y="0"/>
-                </a:moveTo>
-                <a:cubicBezTo>
-                  <a:pt x="291965" y="19429"/>
-                  <a:pt x="363155" y="8568"/>
-                  <a:pt x="618468" y="0"/>
-                </a:cubicBezTo>
-                <a:cubicBezTo>
-                  <a:pt x="873781" y="-8568"/>
-                  <a:pt x="904459" y="-19505"/>
-                  <a:pt x="1171834" y="0"/>
-                </a:cubicBezTo>
-                <a:cubicBezTo>
-                  <a:pt x="1439209" y="19505"/>
-                  <a:pt x="1744369" y="9790"/>
-                  <a:pt x="1887955" y="0"/>
-                </a:cubicBezTo>
-                <a:cubicBezTo>
-                  <a:pt x="2031541" y="-9790"/>
-                  <a:pt x="2346378" y="21240"/>
-                  <a:pt x="2506423" y="0"/>
-                </a:cubicBezTo>
-                <a:cubicBezTo>
-                  <a:pt x="2666468" y="-21240"/>
-                  <a:pt x="2990257" y="30414"/>
-                  <a:pt x="3255095" y="0"/>
-                </a:cubicBezTo>
-                <a:cubicBezTo>
-                  <a:pt x="3254831" y="4493"/>
-                  <a:pt x="3255479" y="9472"/>
-                  <a:pt x="3255095" y="18288"/>
-                </a:cubicBezTo>
-                <a:cubicBezTo>
-                  <a:pt x="3120743" y="16690"/>
-                  <a:pt x="2759628" y="42462"/>
-                  <a:pt x="2604076" y="18288"/>
-                </a:cubicBezTo>
-                <a:cubicBezTo>
-                  <a:pt x="2448524" y="-5886"/>
-                  <a:pt x="2184336" y="19599"/>
-                  <a:pt x="1887955" y="18288"/>
-                </a:cubicBezTo>
-                <a:cubicBezTo>
-                  <a:pt x="1591574" y="16977"/>
-                  <a:pt x="1548845" y="6870"/>
-                  <a:pt x="1334589" y="18288"/>
-                </a:cubicBezTo>
-                <a:cubicBezTo>
-                  <a:pt x="1120333" y="29706"/>
-                  <a:pt x="996014" y="9662"/>
-                  <a:pt x="683570" y="18288"/>
-                </a:cubicBezTo>
-                <a:cubicBezTo>
-                  <a:pt x="371126" y="26914"/>
-                  <a:pt x="198687" y="16167"/>
-                  <a:pt x="0" y="18288"/>
-                </a:cubicBezTo>
-                <a:cubicBezTo>
-                  <a:pt x="843" y="9577"/>
-                  <a:pt x="371" y="6900"/>
-                  <a:pt x="0" y="0"/>
-                </a:cubicBezTo>
-                <a:close/>
-              </a:path>
-            </a:pathLst>
-          </a:custGeom>
-          <a:solidFill>
-            <a:schemeClr val="accent2"/>
-          </a:solidFill>
-          <a:ln w="38100" cap="rnd">
-            <a:solidFill>
-              <a:schemeClr val="accent2"/>
-            </a:solidFill>
-            <a:round/>
-            <a:extLst>
-              <a:ext uri="{C807C97D-BFC1-408E-A445-0C87EB9F89A2}">
-                <ask:lineSketchStyleProps xmlns:ask="http://schemas.microsoft.com/office/drawing/2018/sketchyshapes" sd="1219033472">
-                  <a:prstGeom prst="rect">
-                    <a:avLst/>
-                  </a:prstGeom>
-                  <ask:type>
-                    <ask:lineSketchFreehand/>
-                  </ask:type>
-                </ask:lineSketchStyleProps>
-              </a:ext>
-            </a:extLst>
-          </a:ln>
-        </p:spPr>
-        <p:style>
-          <a:lnRef idx="2">
-            <a:schemeClr val="accent1">
-              <a:shade val="50000"/>
-            </a:schemeClr>
-          </a:lnRef>
-          <a:fillRef idx="1">
-            <a:schemeClr val="accent1"/>
-          </a:fillRef>
-          <a:effectRef idx="0">
-            <a:schemeClr val="accent1"/>
-          </a:effectRef>
-          <a:fontRef idx="minor">
-            <a:schemeClr val="lt1"/>
-          </a:fontRef>
-        </p:style>
-        <p:txBody>
-          <a:bodyPr rtlCol="0" anchor="ctr"/>
-          <a:lstStyle/>
-          <a:p>
-            <a:pPr algn="ctr"/>
-            <a:endParaRPr lang="en-US"/>
-          </a:p>
-        </p:txBody>
-      </p:sp>
-      <p:sp>
-        <p:nvSpPr>
-          <p:cNvPr id="3" name="Content Placeholder 2">
-            <a:extLst>
-              <a:ext uri="{FF2B5EF4-FFF2-40B4-BE49-F238E27FC236}">
-                <a16:creationId xmlns:a16="http://schemas.microsoft.com/office/drawing/2014/main" id="{DF4ECF3E-863E-402C-9773-515FB527DC99}"/>
-              </a:ext>
-            </a:extLst>
-          </p:cNvPr>
-          <p:cNvSpPr>
-            <a:spLocks noGrp="1"/>
-          </p:cNvSpPr>
-          <p:nvPr>
-            <p:ph idx="1"/>
-          </p:nvPr>
-        </p:nvSpPr>
-        <p:spPr>
-          <a:xfrm>
-            <a:off x="6739128" y="2664886"/>
-            <a:ext cx="4818888" cy="3550789"/>
-          </a:xfrm>
-        </p:spPr>
-        <p:txBody>
-          <a:bodyPr anchor="t">
-            <a:normAutofit/>
-          </a:bodyPr>
-          <a:lstStyle/>
-          <a:p>
-            <a:r>
-              <a:rPr lang="en-US" sz="2200"/>
-              <a:t>Derived population</a:t>
-            </a:r>
-          </a:p>
-          <a:p>
-            <a:pPr lvl="1"/>
-            <a:r>
-              <a:rPr lang="en-US" sz="2200"/>
-              <a:t>All possible sample that can be drawn from the population under a given sampling plan </a:t>
-            </a:r>
-          </a:p>
-          <a:p>
-            <a:pPr lvl="1"/>
-            <a:endParaRPr lang="en-US" sz="2200"/>
-          </a:p>
-        </p:txBody>
-      </p:sp>
-    </p:spTree>
-    <p:extLst>
-      <p:ext uri="{BB962C8B-B14F-4D97-AF65-F5344CB8AC3E}">
-        <p14:creationId xmlns:p14="http://schemas.microsoft.com/office/powerpoint/2010/main" val="2141195480"/>
-      </p:ext>
-    </p:extLst>
-  </p:cSld>
-  <p:clrMapOvr>
-    <a:masterClrMapping/>
-  </p:clrMapOvr>
-</p:sld>
-</file>
-
-<file path=ppt/slides/slide44.xml><?xml version="1.0" encoding="utf-8"?>
-<p:sld xmlns:a="http://schemas.openxmlformats.org/drawingml/2006/main" xmlns:r="http://schemas.openxmlformats.org/officeDocument/2006/relationships" xmlns:p="http://schemas.openxmlformats.org/presentationml/2006/main">
-  <p:cSld>
-    <p:bg>
-      <p:bgPr>
-        <a:solidFill>
-          <a:schemeClr val="bg1"/>
-        </a:solidFill>
-        <a:effectLst/>
-      </p:bgPr>
-    </p:bg>
-    <p:spTree>
-      <p:nvGrpSpPr>
-        <p:cNvPr id="1" name=""/>
-        <p:cNvGrpSpPr/>
-        <p:nvPr/>
-      </p:nvGrpSpPr>
-      <p:grpSpPr>
-        <a:xfrm>
-          <a:off x="0" y="0"/>
-          <a:ext cx="0" cy="0"/>
-          <a:chOff x="0" y="0"/>
-          <a:chExt cx="0" cy="0"/>
-        </a:xfrm>
-      </p:grpSpPr>
-      <p:sp useBgFill="1">
-        <p:nvSpPr>
-          <p:cNvPr id="3078" name="Rectangle 72">
-            <a:extLst>
-              <a:ext uri="{FF2B5EF4-FFF2-40B4-BE49-F238E27FC236}">
-                <a16:creationId xmlns:a16="http://schemas.microsoft.com/office/drawing/2014/main" id="{EEEEAA75-AA19-426C-A43C-35F6F9119B8D}"/>
-              </a:ext>
-              <a:ext uri="{C183D7F6-B498-43B3-948B-1728B52AA6E4}">
-                <adec:decorative xmlns:adec="http://schemas.microsoft.com/office/drawing/2017/decorative" val="1"/>
-              </a:ext>
-            </a:extLst>
-          </p:cNvPr>
-          <p:cNvSpPr>
-            <a:spLocks noGrp="1" noRot="1" noChangeAspect="1" noMove="1" noResize="1" noEditPoints="1" noAdjustHandles="1" noChangeArrowheads="1" noChangeShapeType="1" noTextEdit="1"/>
-          </p:cNvSpPr>
-          <p:nvPr>
-            <p:extLst>
-              <p:ext uri="{386F3935-93C4-4BCD-93E2-E3B085C9AB24}">
-                <p16:designElem xmlns:p16="http://schemas.microsoft.com/office/powerpoint/2015/main" val="1"/>
-              </p:ext>
-            </p:extLst>
-          </p:nvPr>
-        </p:nvSpPr>
-        <p:spPr>
-          <a:xfrm>
-            <a:off x="0" y="0"/>
-            <a:ext cx="12191999" cy="6857365"/>
-          </a:xfrm>
-          <a:prstGeom prst="rect">
-            <a:avLst/>
-          </a:prstGeom>
-          <a:ln>
-            <a:noFill/>
-          </a:ln>
-        </p:spPr>
-        <p:style>
-          <a:lnRef idx="2">
-            <a:schemeClr val="accent1">
-              <a:shade val="50000"/>
-            </a:schemeClr>
-          </a:lnRef>
-          <a:fillRef idx="1">
-            <a:schemeClr val="accent1"/>
-          </a:fillRef>
-          <a:effectRef idx="0">
-            <a:schemeClr val="accent1"/>
-          </a:effectRef>
-          <a:fontRef idx="minor">
-            <a:schemeClr val="lt1"/>
-          </a:fontRef>
-        </p:style>
-        <p:txBody>
-          <a:bodyPr rtlCol="0" anchor="ctr"/>
-          <a:lstStyle/>
-          <a:p>
-            <a:pPr algn="ctr"/>
-            <a:endParaRPr lang="en-US"/>
-          </a:p>
-        </p:txBody>
-      </p:sp>
-      <p:sp>
-        <p:nvSpPr>
-          <p:cNvPr id="3079" name="Rectangle 74">
-            <a:extLst>
-              <a:ext uri="{FF2B5EF4-FFF2-40B4-BE49-F238E27FC236}">
-                <a16:creationId xmlns:a16="http://schemas.microsoft.com/office/drawing/2014/main" id="{90464369-70FA-42AF-948F-80664CA7BFE5}"/>
-              </a:ext>
-              <a:ext uri="{C183D7F6-B498-43B3-948B-1728B52AA6E4}">
-                <adec:decorative xmlns:adec="http://schemas.microsoft.com/office/drawing/2017/decorative" val="1"/>
-              </a:ext>
-            </a:extLst>
-          </p:cNvPr>
-          <p:cNvSpPr>
-            <a:spLocks noGrp="1" noRot="1" noChangeAspect="1" noMove="1" noResize="1" noEditPoints="1" noAdjustHandles="1" noChangeArrowheads="1" noChangeShapeType="1" noTextEdit="1"/>
-          </p:cNvSpPr>
-          <p:nvPr>
-            <p:extLst>
-              <p:ext uri="{386F3935-93C4-4BCD-93E2-E3B085C9AB24}">
-                <p16:designElem xmlns:p16="http://schemas.microsoft.com/office/powerpoint/2015/main" val="1"/>
-              </p:ext>
-            </p:extLst>
-          </p:nvPr>
-        </p:nvSpPr>
-        <p:spPr>
-          <a:xfrm>
-            <a:off x="0" y="0"/>
-            <a:ext cx="12192000" cy="2146816"/>
-          </a:xfrm>
-          <a:prstGeom prst="rect">
-            <a:avLst/>
-          </a:prstGeom>
-          <a:solidFill>
-            <a:schemeClr val="bg1">
-              <a:lumMod val="85000"/>
-              <a:alpha val="35000"/>
-            </a:schemeClr>
-          </a:solidFill>
-          <a:ln>
-            <a:noFill/>
-          </a:ln>
-        </p:spPr>
-        <p:style>
-          <a:lnRef idx="2">
-            <a:schemeClr val="accent1">
-              <a:shade val="50000"/>
-            </a:schemeClr>
-          </a:lnRef>
-          <a:fillRef idx="1">
-            <a:schemeClr val="accent1"/>
-          </a:fillRef>
-          <a:effectRef idx="0">
-            <a:schemeClr val="accent1"/>
-          </a:effectRef>
-          <a:fontRef idx="minor">
-            <a:schemeClr val="lt1"/>
-          </a:fontRef>
-        </p:style>
-        <p:txBody>
-          <a:bodyPr rtlCol="0" anchor="ctr"/>
-          <a:lstStyle/>
-          <a:p>
-            <a:pPr algn="ctr"/>
-            <a:endParaRPr lang="en-US"/>
-          </a:p>
-        </p:txBody>
-      </p:sp>
-      <p:sp>
-        <p:nvSpPr>
-          <p:cNvPr id="2" name="Title 1">
-            <a:extLst>
-              <a:ext uri="{FF2B5EF4-FFF2-40B4-BE49-F238E27FC236}">
-                <a16:creationId xmlns:a16="http://schemas.microsoft.com/office/drawing/2014/main" id="{C8E00E5A-103B-4583-A7D6-63B27365EB3C}"/>
-              </a:ext>
-            </a:extLst>
-          </p:cNvPr>
-          <p:cNvSpPr>
-            <a:spLocks noGrp="1"/>
-          </p:cNvSpPr>
-          <p:nvPr>
-            <p:ph type="title"/>
-          </p:nvPr>
-        </p:nvSpPr>
-        <p:spPr>
-          <a:xfrm>
-            <a:off x="581647" y="349664"/>
-            <a:ext cx="5562868" cy="1638377"/>
-          </a:xfrm>
-        </p:spPr>
-        <p:txBody>
-          <a:bodyPr anchor="b">
-            <a:normAutofit/>
-          </a:bodyPr>
-          <a:lstStyle/>
-          <a:p>
-            <a:r>
-              <a:rPr lang="en-US" sz="4800"/>
-              <a:t>Basics of the Sampling Distribution</a:t>
-            </a:r>
-          </a:p>
-        </p:txBody>
-      </p:sp>
-      <p:sp>
-        <p:nvSpPr>
-          <p:cNvPr id="3" name="Content Placeholder 2">
-            <a:extLst>
-              <a:ext uri="{FF2B5EF4-FFF2-40B4-BE49-F238E27FC236}">
-                <a16:creationId xmlns:a16="http://schemas.microsoft.com/office/drawing/2014/main" id="{68832019-0569-43E9-8CF7-9A87919E037A}"/>
-              </a:ext>
-            </a:extLst>
-          </p:cNvPr>
-          <p:cNvSpPr>
-            <a:spLocks noGrp="1"/>
-          </p:cNvSpPr>
-          <p:nvPr>
-            <p:ph idx="1"/>
-          </p:nvPr>
-        </p:nvSpPr>
-        <p:spPr>
-          <a:xfrm>
-            <a:off x="587988" y="2620641"/>
-            <a:ext cx="5555425" cy="3023702"/>
-          </a:xfrm>
-        </p:spPr>
-        <p:txBody>
-          <a:bodyPr anchor="ctr">
-            <a:normAutofit/>
-          </a:bodyPr>
-          <a:lstStyle/>
-          <a:p>
-            <a:r>
-              <a:rPr lang="en-US" sz="1800"/>
-              <a:t>The mean of all possible sample means is equal to the population mean </a:t>
-            </a:r>
-          </a:p>
-          <a:p>
-            <a:r>
-              <a:rPr lang="en-US" sz="1800"/>
-              <a:t>The variance of the sample means is related to the population variance </a:t>
-            </a:r>
-          </a:p>
-          <a:p>
-            <a:r>
-              <a:rPr lang="en-US" sz="1800"/>
-              <a:t>The sampling distribution is mound shaped </a:t>
-            </a:r>
-          </a:p>
-          <a:p>
-            <a:pPr lvl="1"/>
-            <a:r>
-              <a:rPr lang="en-US" sz="1800"/>
-              <a:t>Consistent with the Central-Limit Theorem, regardless of the shape of the distribution of the variable in the population, with a sample size of 30, the distribution of sample means becomes normally distributed </a:t>
-            </a:r>
-          </a:p>
-        </p:txBody>
-      </p:sp>
-      <p:sp>
-        <p:nvSpPr>
-          <p:cNvPr id="77" name="Rectangle 76">
-            <a:extLst>
-              <a:ext uri="{FF2B5EF4-FFF2-40B4-BE49-F238E27FC236}">
-                <a16:creationId xmlns:a16="http://schemas.microsoft.com/office/drawing/2014/main" id="{CC552A98-EF7D-4D42-AB69-066B786AB55B}"/>
-              </a:ext>
-              <a:ext uri="{C183D7F6-B498-43B3-948B-1728B52AA6E4}">
-                <adec:decorative xmlns:adec="http://schemas.microsoft.com/office/drawing/2017/decorative" val="1"/>
-              </a:ext>
-            </a:extLst>
-          </p:cNvPr>
-          <p:cNvSpPr>
-            <a:spLocks noGrp="1" noRot="1" noChangeAspect="1" noMove="1" noResize="1" noEditPoints="1" noAdjustHandles="1" noChangeArrowheads="1" noChangeShapeType="1" noTextEdit="1"/>
-          </p:cNvSpPr>
-          <p:nvPr>
-            <p:extLst>
-              <p:ext uri="{386F3935-93C4-4BCD-93E2-E3B085C9AB24}">
-                <p16:designElem xmlns:p16="http://schemas.microsoft.com/office/powerpoint/2015/main" val="1"/>
-              </p:ext>
-            </p:extLst>
-          </p:nvPr>
-        </p:nvSpPr>
-        <p:spPr>
-          <a:xfrm>
-            <a:off x="6719144" y="198171"/>
-            <a:ext cx="5191082" cy="3104993"/>
-          </a:xfrm>
-          <a:prstGeom prst="rect">
-            <a:avLst/>
-          </a:prstGeom>
-          <a:solidFill>
-            <a:schemeClr val="bg1"/>
-          </a:solidFill>
-          <a:ln>
-            <a:noFill/>
-          </a:ln>
-          <a:effectLst>
-            <a:outerShdw blurRad="139700" dist="127000" dir="5400000" algn="t" rotWithShape="0">
-              <a:prstClr val="black">
-                <a:alpha val="15000"/>
-              </a:prstClr>
-            </a:outerShdw>
-          </a:effectLst>
-        </p:spPr>
-        <p:style>
-          <a:lnRef idx="2">
-            <a:schemeClr val="accent1">
-              <a:shade val="50000"/>
-            </a:schemeClr>
-          </a:lnRef>
-          <a:fillRef idx="1">
-            <a:schemeClr val="accent1"/>
-          </a:fillRef>
-          <a:effectRef idx="0">
-            <a:schemeClr val="accent1"/>
-          </a:effectRef>
-          <a:fontRef idx="minor">
-            <a:schemeClr val="lt1"/>
-          </a:fontRef>
-        </p:style>
-        <p:txBody>
-          <a:bodyPr rtlCol="0" anchor="ctr"/>
-          <a:lstStyle/>
-          <a:p>
-            <a:pPr algn="ctr"/>
-            <a:endParaRPr lang="en-US"/>
-          </a:p>
-        </p:txBody>
-      </p:sp>
-      <p:pic>
-        <p:nvPicPr>
-          <p:cNvPr id="3076" name="Picture 4" descr="Variance (video lessons, formula, examples, solutions)">
-            <a:extLst>
-              <a:ext uri="{FF2B5EF4-FFF2-40B4-BE49-F238E27FC236}">
-                <a16:creationId xmlns:a16="http://schemas.microsoft.com/office/drawing/2014/main" id="{E285EEC6-DE5D-4C05-9A8B-4DB06EFDA2B1}"/>
-              </a:ext>
-            </a:extLst>
-          </p:cNvPr>
-          <p:cNvPicPr>
-            <a:picLocks noChangeAspect="1" noChangeArrowheads="1"/>
-          </p:cNvPicPr>
-          <p:nvPr/>
-        </p:nvPicPr>
-        <p:blipFill>
-          <a:blip r:embed="rId2">
-            <a:extLst>
-              <a:ext uri="{28A0092B-C50C-407E-A947-70E740481C1C}">
-                <a14:useLocalDpi xmlns:a14="http://schemas.microsoft.com/office/drawing/2010/main" val="0"/>
-              </a:ext>
-            </a:extLst>
-          </a:blip>
-          <a:stretch>
-            <a:fillRect/>
-          </a:stretch>
-        </p:blipFill>
-        <p:spPr bwMode="auto">
-          <a:xfrm>
-            <a:off x="7333745" y="417768"/>
-            <a:ext cx="3961879" cy="2665800"/>
-          </a:xfrm>
-          <a:prstGeom prst="rect">
-            <a:avLst/>
-          </a:prstGeom>
-          <a:noFill/>
-          <a:extLst>
-            <a:ext uri="{909E8E84-426E-40DD-AFC4-6F175D3DCCD1}">
-              <a14:hiddenFill xmlns:a14="http://schemas.microsoft.com/office/drawing/2010/main">
-                <a:solidFill>
-                  <a:srgbClr val="FFFFFF"/>
-                </a:solidFill>
-              </a14:hiddenFill>
-            </a:ext>
-          </a:extLst>
-        </p:spPr>
-      </p:pic>
-      <p:sp>
-        <p:nvSpPr>
-          <p:cNvPr id="79" name="Rectangle 78">
-            <a:extLst>
-              <a:ext uri="{FF2B5EF4-FFF2-40B4-BE49-F238E27FC236}">
-                <a16:creationId xmlns:a16="http://schemas.microsoft.com/office/drawing/2014/main" id="{A6604B49-AD5C-4590-B051-06C8222ECD99}"/>
-              </a:ext>
-              <a:ext uri="{C183D7F6-B498-43B3-948B-1728B52AA6E4}">
-                <adec:decorative xmlns:adec="http://schemas.microsoft.com/office/drawing/2017/decorative" val="1"/>
-              </a:ext>
-            </a:extLst>
-          </p:cNvPr>
-          <p:cNvSpPr>
-            <a:spLocks noGrp="1" noRot="1" noChangeAspect="1" noMove="1" noResize="1" noEditPoints="1" noAdjustHandles="1" noChangeArrowheads="1" noChangeShapeType="1" noTextEdit="1"/>
-          </p:cNvSpPr>
-          <p:nvPr>
-            <p:extLst>
-              <p:ext uri="{386F3935-93C4-4BCD-93E2-E3B085C9AB24}">
-                <p16:designElem xmlns:p16="http://schemas.microsoft.com/office/powerpoint/2015/main" val="1"/>
-              </p:ext>
-            </p:extLst>
-          </p:nvPr>
-        </p:nvSpPr>
-        <p:spPr>
-          <a:xfrm rot="16200000" flipH="1">
-            <a:off x="5669568" y="277912"/>
-            <a:ext cx="524256" cy="11863390"/>
-          </a:xfrm>
-          <a:prstGeom prst="rect">
-            <a:avLst/>
-          </a:prstGeom>
-          <a:solidFill>
-            <a:schemeClr val="accent4"/>
-          </a:solidFill>
-          <a:ln>
-            <a:noFill/>
-          </a:ln>
-        </p:spPr>
-        <p:style>
-          <a:lnRef idx="2">
-            <a:schemeClr val="accent1">
-              <a:shade val="50000"/>
-            </a:schemeClr>
-          </a:lnRef>
-          <a:fillRef idx="1">
-            <a:schemeClr val="accent1"/>
-          </a:fillRef>
-          <a:effectRef idx="0">
-            <a:schemeClr val="accent1"/>
-          </a:effectRef>
-          <a:fontRef idx="minor">
-            <a:schemeClr val="lt1"/>
-          </a:fontRef>
-        </p:style>
-        <p:txBody>
-          <a:bodyPr rtlCol="0" anchor="ctr"/>
-          <a:lstStyle/>
-          <a:p>
-            <a:pPr algn="ctr"/>
-            <a:endParaRPr lang="en-US"/>
-          </a:p>
-        </p:txBody>
-      </p:sp>
-      <p:sp>
-        <p:nvSpPr>
-          <p:cNvPr id="81" name="Rectangle 80">
-            <a:extLst>
-              <a:ext uri="{FF2B5EF4-FFF2-40B4-BE49-F238E27FC236}">
-                <a16:creationId xmlns:a16="http://schemas.microsoft.com/office/drawing/2014/main" id="{0BB19363-8354-4E75-A15C-A08F755171F6}"/>
-              </a:ext>
-              <a:ext uri="{C183D7F6-B498-43B3-948B-1728B52AA6E4}">
-                <adec:decorative xmlns:adec="http://schemas.microsoft.com/office/drawing/2017/decorative" val="1"/>
-              </a:ext>
-            </a:extLst>
-          </p:cNvPr>
-          <p:cNvSpPr>
-            <a:spLocks noGrp="1" noRot="1" noChangeAspect="1" noMove="1" noResize="1" noEditPoints="1" noAdjustHandles="1" noChangeArrowheads="1" noChangeShapeType="1" noTextEdit="1"/>
-          </p:cNvSpPr>
-          <p:nvPr>
-            <p:extLst>
-              <p:ext uri="{386F3935-93C4-4BCD-93E2-E3B085C9AB24}">
-                <p16:designElem xmlns:p16="http://schemas.microsoft.com/office/powerpoint/2015/main" val="1"/>
-              </p:ext>
-            </p:extLst>
-          </p:nvPr>
-        </p:nvSpPr>
-        <p:spPr>
-          <a:xfrm>
-            <a:off x="6719144" y="3527725"/>
-            <a:ext cx="5191082" cy="3104993"/>
-          </a:xfrm>
-          <a:prstGeom prst="rect">
-            <a:avLst/>
-          </a:prstGeom>
-          <a:solidFill>
-            <a:schemeClr val="bg1"/>
-          </a:solidFill>
-          <a:ln>
-            <a:noFill/>
-          </a:ln>
-          <a:effectLst>
-            <a:outerShdw blurRad="139700" dist="127000" dir="5400000" algn="t" rotWithShape="0">
-              <a:prstClr val="black">
-                <a:alpha val="15000"/>
-              </a:prstClr>
-            </a:outerShdw>
-          </a:effectLst>
-        </p:spPr>
-        <p:style>
-          <a:lnRef idx="2">
-            <a:schemeClr val="accent1">
-              <a:shade val="50000"/>
-            </a:schemeClr>
-          </a:lnRef>
-          <a:fillRef idx="1">
-            <a:schemeClr val="accent1"/>
-          </a:fillRef>
-          <a:effectRef idx="0">
-            <a:schemeClr val="accent1"/>
-          </a:effectRef>
-          <a:fontRef idx="minor">
-            <a:schemeClr val="lt1"/>
-          </a:fontRef>
-        </p:style>
-        <p:txBody>
-          <a:bodyPr rtlCol="0" anchor="ctr"/>
-          <a:lstStyle/>
-          <a:p>
-            <a:pPr algn="ctr"/>
-            <a:endParaRPr lang="en-US"/>
-          </a:p>
-        </p:txBody>
-      </p:sp>
-      <p:pic>
-        <p:nvPicPr>
-          <p:cNvPr id="3074" name="Picture 2" descr="Central Limit Theorem In Action. And examples from its practical… | by  Ceren Iyim | Towards Data Science">
-            <a:extLst>
-              <a:ext uri="{FF2B5EF4-FFF2-40B4-BE49-F238E27FC236}">
-                <a16:creationId xmlns:a16="http://schemas.microsoft.com/office/drawing/2014/main" id="{DD26947B-CCBD-42AE-B229-F548CEFD5B2C}"/>
-              </a:ext>
-            </a:extLst>
-          </p:cNvPr>
-          <p:cNvPicPr>
-            <a:picLocks noChangeAspect="1" noChangeArrowheads="1"/>
-          </p:cNvPicPr>
-          <p:nvPr/>
-        </p:nvPicPr>
-        <p:blipFill>
-          <a:blip r:embed="rId3">
-            <a:extLst>
-              <a:ext uri="{28A0092B-C50C-407E-A947-70E740481C1C}">
-                <a14:useLocalDpi xmlns:a14="http://schemas.microsoft.com/office/drawing/2010/main" val="0"/>
-              </a:ext>
-            </a:extLst>
-          </a:blip>
-          <a:stretch>
-            <a:fillRect/>
-          </a:stretch>
-        </p:blipFill>
-        <p:spPr bwMode="auto">
-          <a:xfrm>
-            <a:off x="6949163" y="3889974"/>
-            <a:ext cx="4731046" cy="2380494"/>
-          </a:xfrm>
-          <a:prstGeom prst="rect">
-            <a:avLst/>
-          </a:prstGeom>
-          <a:noFill/>
-          <a:extLst>
-            <a:ext uri="{909E8E84-426E-40DD-AFC4-6F175D3DCCD1}">
-              <a14:hiddenFill xmlns:a14="http://schemas.microsoft.com/office/drawing/2010/main">
-                <a:solidFill>
-                  <a:srgbClr val="FFFFFF"/>
-                </a:solidFill>
-              </a14:hiddenFill>
-            </a:ext>
-          </a:extLst>
-        </p:spPr>
-      </p:pic>
-      <p:sp>
-        <p:nvSpPr>
-          <p:cNvPr id="83" name="Rectangle 82">
-            <a:extLst>
-              <a:ext uri="{FF2B5EF4-FFF2-40B4-BE49-F238E27FC236}">
-                <a16:creationId xmlns:a16="http://schemas.microsoft.com/office/drawing/2014/main" id="{A648176E-454C-437C-B0FC-9B82FCF32B24}"/>
-              </a:ext>
-              <a:ext uri="{C183D7F6-B498-43B3-948B-1728B52AA6E4}">
-                <adec:decorative xmlns:adec="http://schemas.microsoft.com/office/drawing/2017/decorative" val="1"/>
-              </a:ext>
-            </a:extLst>
-          </p:cNvPr>
-          <p:cNvSpPr>
-            <a:spLocks noGrp="1" noRot="1" noChangeAspect="1" noMove="1" noResize="1" noEditPoints="1" noAdjustHandles="1" noChangeArrowheads="1" noChangeShapeType="1" noTextEdit="1"/>
-          </p:cNvSpPr>
-          <p:nvPr>
-            <p:extLst>
-              <p:ext uri="{386F3935-93C4-4BCD-93E2-E3B085C9AB24}">
-                <p16:designElem xmlns:p16="http://schemas.microsoft.com/office/powerpoint/2015/main" val="1"/>
-              </p:ext>
-            </p:extLst>
-          </p:nvPr>
-        </p:nvSpPr>
-        <p:spPr>
-          <a:xfrm rot="5400000">
-            <a:off x="11787731" y="6131892"/>
-            <a:ext cx="524256" cy="152382"/>
-          </a:xfrm>
-          <a:prstGeom prst="rect">
-            <a:avLst/>
-          </a:prstGeom>
-          <a:solidFill>
-            <a:schemeClr val="accent4"/>
-          </a:solidFill>
-          <a:ln>
-            <a:noFill/>
-          </a:ln>
-        </p:spPr>
-        <p:style>
-          <a:lnRef idx="2">
-            <a:schemeClr val="accent1">
-              <a:shade val="50000"/>
-            </a:schemeClr>
-          </a:lnRef>
-          <a:fillRef idx="1">
-            <a:schemeClr val="accent1"/>
-          </a:fillRef>
-          <a:effectRef idx="0">
-            <a:schemeClr val="accent1"/>
-          </a:effectRef>
-          <a:fontRef idx="minor">
-            <a:schemeClr val="lt1"/>
-          </a:fontRef>
-        </p:style>
-        <p:txBody>
-          <a:bodyPr rtlCol="0" anchor="ctr"/>
-          <a:lstStyle/>
-          <a:p>
-            <a:pPr algn="ctr"/>
-            <a:endParaRPr lang="en-US"/>
-          </a:p>
-        </p:txBody>
-      </p:sp>
-    </p:spTree>
-    <p:extLst>
-      <p:ext uri="{BB962C8B-B14F-4D97-AF65-F5344CB8AC3E}">
-        <p14:creationId xmlns:p14="http://schemas.microsoft.com/office/powerpoint/2010/main" val="102022569"/>
-      </p:ext>
-    </p:extLst>
-  </p:cSld>
-  <p:clrMapOvr>
-    <a:masterClrMapping/>
-  </p:clrMapOvr>
-</p:sld>
-</file>
-
-<file path=ppt/slides/slide45.xml><?xml version="1.0" encoding="utf-8"?>
 <p:sld xmlns:a="http://schemas.openxmlformats.org/drawingml/2006/main" xmlns:r="http://schemas.openxmlformats.org/officeDocument/2006/relationships" xmlns:p="http://schemas.openxmlformats.org/presentationml/2006/main">
   <p:cSld>
     <p:bg>
@@ -40858,7 +39479,7 @@
           <a:p>
             <a:fld id="{A6AF1B4E-90EC-4A51-B6E5-B702C054ECB0}" type="slidenum">
               <a:rPr lang="en-US" smtClean="0"/>
-              <a:t>45</a:t>
+              <a:t>42</a:t>
             </a:fld>
             <a:endParaRPr lang="en-US" dirty="0"/>
           </a:p>
@@ -40877,7 +39498,7 @@
 </p:sld>
 </file>
 
-<file path=ppt/slides/slide46.xml><?xml version="1.0" encoding="utf-8"?>
+<file path=ppt/slides/slide43.xml><?xml version="1.0" encoding="utf-8"?>
 <p:sld xmlns:a="http://schemas.openxmlformats.org/drawingml/2006/main" xmlns:r="http://schemas.openxmlformats.org/officeDocument/2006/relationships" xmlns:p="http://schemas.openxmlformats.org/presentationml/2006/main">
   <p:cSld>
     <p:bg>
@@ -41160,7 +39781,7 @@
                   <a:spcPts val="600"/>
                 </a:spcAft>
               </a:pPr>
-              <a:t>46</a:t>
+              <a:t>43</a:t>
             </a:fld>
             <a:endParaRPr lang="en-US">
               <a:solidFill>
@@ -41186,7 +39807,7 @@
             <p:ph idx="1"/>
             <p:extLst>
               <p:ext uri="{D42A27DB-BD31-4B8C-83A1-F6EECF244321}">
-                <p14:modId xmlns:p14="http://schemas.microsoft.com/office/powerpoint/2010/main" val="1025471571"/>
+                <p14:modId xmlns:p14="http://schemas.microsoft.com/office/powerpoint/2010/main" val="1728533382"/>
               </p:ext>
             </p:extLst>
           </p:nvPr>
@@ -41214,7 +39835,7 @@
 </p:sld>
 </file>
 
-<file path=ppt/slides/slide47.xml><?xml version="1.0" encoding="utf-8"?>
+<file path=ppt/slides/slide44.xml><?xml version="1.0" encoding="utf-8"?>
 <p:sld xmlns:a="http://schemas.openxmlformats.org/drawingml/2006/main" xmlns:r="http://schemas.openxmlformats.org/officeDocument/2006/relationships" xmlns:p="http://schemas.openxmlformats.org/presentationml/2006/main">
   <p:cSld>
     <p:bg>
@@ -41464,7 +40085,7 @@
                   <a:spcPts val="600"/>
                 </a:spcAft>
               </a:pPr>
-              <a:t>47</a:t>
+              <a:t>44</a:t>
             </a:fld>
             <a:endParaRPr lang="en-US"/>
           </a:p>
@@ -41483,7 +40104,7 @@
 </p:sld>
 </file>
 
-<file path=ppt/slides/slide48.xml><?xml version="1.0" encoding="utf-8"?>
+<file path=ppt/slides/slide45.xml><?xml version="1.0" encoding="utf-8"?>
 <p:sld xmlns:a="http://schemas.openxmlformats.org/drawingml/2006/main" xmlns:r="http://schemas.openxmlformats.org/officeDocument/2006/relationships" xmlns:p="http://schemas.openxmlformats.org/presentationml/2006/main">
   <p:cSld>
     <p:bg>
@@ -42227,7 +40848,7 @@
                   <a:spcPts val="600"/>
                 </a:spcAft>
               </a:pPr>
-              <a:t>48</a:t>
+              <a:t>45</a:t>
             </a:fld>
             <a:endParaRPr lang="en-US">
               <a:solidFill>
@@ -42250,7 +40871,7 @@
 </p:sld>
 </file>
 
-<file path=ppt/slides/slide49.xml><?xml version="1.0" encoding="utf-8"?>
+<file path=ppt/slides/slide46.xml><?xml version="1.0" encoding="utf-8"?>
 <p:sld xmlns:a="http://schemas.openxmlformats.org/drawingml/2006/main" xmlns:r="http://schemas.openxmlformats.org/officeDocument/2006/relationships" xmlns:p="http://schemas.openxmlformats.org/presentationml/2006/main">
   <p:cSld>
     <p:bg>
@@ -43015,7 +41636,7 @@
                   <a:spcPts val="600"/>
                 </a:spcAft>
               </a:pPr>
-              <a:t>49</a:t>
+              <a:t>46</a:t>
             </a:fld>
             <a:endParaRPr lang="en-US"/>
           </a:p>
@@ -45773,23 +44394,6 @@
 </file>
 
 <file path=customXml/item1.xml><?xml version="1.0" encoding="utf-8"?>
-<?mso-contentType ?>
-<FormTemplates xmlns="http://schemas.microsoft.com/sharepoint/v3/contenttype/forms">
-  <Display>DocumentLibraryForm</Display>
-  <Edit>DocumentLibraryForm</Edit>
-  <New>DocumentLibraryForm</New>
-</FormTemplates>
-</file>
-
-<file path=customXml/item2.xml><?xml version="1.0" encoding="utf-8"?>
-<p:properties xmlns:p="http://schemas.microsoft.com/office/2006/metadata/properties" xmlns:xsi="http://www.w3.org/2001/XMLSchema-instance" xmlns:pc="http://schemas.microsoft.com/office/infopath/2007/PartnerControls">
-  <documentManagement>
-    <MediaServiceKeyPoints xmlns="71af3243-3dd4-4a8d-8c0d-dd76da1f02a5" xsi:nil="true"/>
-  </documentManagement>
-</p:properties>
-</file>
-
-<file path=customXml/item3.xml><?xml version="1.0" encoding="utf-8"?>
 <ct:contentTypeSchema xmlns:ct="http://schemas.microsoft.com/office/2006/metadata/contentType" xmlns:ma="http://schemas.microsoft.com/office/2006/metadata/properties/metaAttributes" ct:_="" ma:_="" ma:contentTypeName="Document" ma:contentTypeID="0x01010079F111ED35F8CC479449609E8A0923A6" ma:contentTypeVersion="11" ma:contentTypeDescription="Create a new document." ma:contentTypeScope="" ma:versionID="96291512c1ee715ab617f4c07df79fc1">
   <xsd:schema xmlns:xsd="http://www.w3.org/2001/XMLSchema" xmlns:xs="http://www.w3.org/2001/XMLSchema" xmlns:p="http://schemas.microsoft.com/office/2006/metadata/properties" xmlns:ns2="71af3243-3dd4-4a8d-8c0d-dd76da1f02a5" xmlns:ns3="16c05727-aa75-4e4a-9b5f-8a80a1165891" targetNamespace="http://schemas.microsoft.com/office/2006/metadata/properties" ma:root="true" ma:fieldsID="8256c27c40ca5c40ce1cf6c44f0205df" ns2:_="" ns3:_="">
     <xsd:import namespace="71af3243-3dd4-4a8d-8c0d-dd76da1f02a5"/>
@@ -46000,25 +44604,24 @@
 </ct:contentTypeSchema>
 </file>
 
-<file path=customXml/itemProps1.xml><?xml version="1.0" encoding="utf-8"?>
-<ds:datastoreItem xmlns:ds="http://schemas.openxmlformats.org/officeDocument/2006/customXml" ds:itemID="{5CA875DA-F9FD-4F83-A049-3B1027B542DE}">
-  <ds:schemaRefs>
-    <ds:schemaRef ds:uri="http://schemas.microsoft.com/sharepoint/v3/contenttype/forms"/>
-  </ds:schemaRefs>
-</ds:datastoreItem>
+<file path=customXml/item2.xml><?xml version="1.0" encoding="utf-8"?>
+<?mso-contentType ?>
+<FormTemplates xmlns="http://schemas.microsoft.com/sharepoint/v3/contenttype/forms">
+  <Display>DocumentLibraryForm</Display>
+  <Edit>DocumentLibraryForm</Edit>
+  <New>DocumentLibraryForm</New>
+</FormTemplates>
 </file>
 
-<file path=customXml/itemProps2.xml><?xml version="1.0" encoding="utf-8"?>
-<ds:datastoreItem xmlns:ds="http://schemas.openxmlformats.org/officeDocument/2006/customXml" ds:itemID="{03C7D9E6-B0D9-433E-BD46-EB60F64F4DA8}">
-  <ds:schemaRefs>
-    <ds:schemaRef ds:uri="http://schemas.microsoft.com/office/2006/metadata/properties"/>
-    <ds:schemaRef ds:uri="http://schemas.microsoft.com/office/infopath/2007/PartnerControls"/>
-    <ds:schemaRef ds:uri="71af3243-3dd4-4a8d-8c0d-dd76da1f02a5"/>
-  </ds:schemaRefs>
-</ds:datastoreItem>
+<file path=customXml/item3.xml><?xml version="1.0" encoding="utf-8"?>
+<p:properties xmlns:p="http://schemas.microsoft.com/office/2006/metadata/properties" xmlns:xsi="http://www.w3.org/2001/XMLSchema-instance" xmlns:pc="http://schemas.microsoft.com/office/infopath/2007/PartnerControls">
+  <documentManagement>
+    <MediaServiceKeyPoints xmlns="71af3243-3dd4-4a8d-8c0d-dd76da1f02a5" xsi:nil="true"/>
+  </documentManagement>
+</p:properties>
 </file>
 
-<file path=customXml/itemProps3.xml><?xml version="1.0" encoding="utf-8"?>
+<file path=customXml/itemProps1.xml><?xml version="1.0" encoding="utf-8"?>
 <ds:datastoreItem xmlns:ds="http://schemas.openxmlformats.org/officeDocument/2006/customXml" ds:itemID="{B2AB02E3-5ADF-4BF0-9C1B-35CDF3FE95B0}">
   <ds:schemaRefs>
     <ds:schemaRef ds:uri="http://schemas.microsoft.com/office/2006/metadata/contentType"/>
@@ -46035,4 +44638,22 @@
     <ds:schemaRef ds:uri="http://schemas.microsoft.com/internal/obd"/>
   </ds:schemaRefs>
 </ds:datastoreItem>
+</file>
+
+<file path=customXml/itemProps2.xml><?xml version="1.0" encoding="utf-8"?>
+<ds:datastoreItem xmlns:ds="http://schemas.openxmlformats.org/officeDocument/2006/customXml" ds:itemID="{5CA875DA-F9FD-4F83-A049-3B1027B542DE}">
+  <ds:schemaRefs>
+    <ds:schemaRef ds:uri="http://schemas.microsoft.com/sharepoint/v3/contenttype/forms"/>
+  </ds:schemaRefs>
+</ds:datastoreItem>
+</file>
+
+<file path=customXml/itemProps3.xml><?xml version="1.0" encoding="utf-8"?>
+<ds:datastoreItem xmlns:ds="http://schemas.openxmlformats.org/officeDocument/2006/customXml" ds:itemID="{03C7D9E6-B0D9-433E-BD46-EB60F64F4DA8}">
+  <ds:schemaRefs>
+    <ds:schemaRef ds:uri="http://schemas.microsoft.com/office/2006/metadata/properties"/>
+    <ds:schemaRef ds:uri="http://schemas.microsoft.com/office/infopath/2007/PartnerControls"/>
+    <ds:schemaRef ds:uri="71af3243-3dd4-4a8d-8c0d-dd76da1f02a5"/>
+  </ds:schemaRefs>
+</ds:datastoreItem>
 </file>